--- a/Luckyunicorndocumentation.pptx
+++ b/Luckyunicorndocumentation.pptx
@@ -5,21 +5,22 @@
     <p:sldMasterId id="2147483648" r:id="rId1"/>
   </p:sldMasterIdLst>
   <p:notesMasterIdLst>
-    <p:notesMasterId r:id="rId14"/>
+    <p:notesMasterId r:id="rId15"/>
   </p:notesMasterIdLst>
   <p:sldIdLst>
     <p:sldId id="256" r:id="rId2"/>
     <p:sldId id="258" r:id="rId3"/>
     <p:sldId id="272" r:id="rId4"/>
-    <p:sldId id="260" r:id="rId5"/>
-    <p:sldId id="268" r:id="rId6"/>
-    <p:sldId id="269" r:id="rId7"/>
-    <p:sldId id="273" r:id="rId8"/>
-    <p:sldId id="274" r:id="rId9"/>
-    <p:sldId id="263" r:id="rId10"/>
-    <p:sldId id="270" r:id="rId11"/>
-    <p:sldId id="261" r:id="rId12"/>
-    <p:sldId id="266" r:id="rId13"/>
+    <p:sldId id="275" r:id="rId5"/>
+    <p:sldId id="260" r:id="rId6"/>
+    <p:sldId id="268" r:id="rId7"/>
+    <p:sldId id="269" r:id="rId8"/>
+    <p:sldId id="273" r:id="rId9"/>
+    <p:sldId id="274" r:id="rId10"/>
+    <p:sldId id="263" r:id="rId11"/>
+    <p:sldId id="270" r:id="rId12"/>
+    <p:sldId id="261" r:id="rId13"/>
+    <p:sldId id="266" r:id="rId14"/>
   </p:sldIdLst>
   <p:sldSz cx="12192000" cy="6858000"/>
   <p:notesSz cx="6858000" cy="9144000"/>
@@ -129,7 +130,7 @@
 <file path=ppt/revisionInfo.xml><?xml version="1.0" encoding="utf-8"?>
 <p1510:revInfo xmlns:a="http://schemas.openxmlformats.org/drawingml/2006/main" xmlns:r="http://schemas.openxmlformats.org/officeDocument/2006/relationships" xmlns:p1510="http://schemas.microsoft.com/office/powerpoint/2015/10/main">
   <p1510:revLst>
-    <p1510:client id="{DC3CA06C-0EFF-4AA7-8B69-07ED12357FD7}" v="2" dt="2023-03-26T00:53:19.659"/>
+    <p1510:client id="{DC3CA06C-0EFF-4AA7-8B69-07ED12357FD7}" v="7" dt="2023-03-26T03:47:06.460"/>
   </p1510:revLst>
 </p1510:revInfo>
 </file>
@@ -138,8 +139,8 @@
 <pc:chgInfo xmlns:a="http://schemas.openxmlformats.org/drawingml/2006/main" xmlns:r="http://schemas.openxmlformats.org/officeDocument/2006/relationships" xmlns:ac="http://schemas.microsoft.com/office/drawing/2013/main/command" xmlns:pc="http://schemas.microsoft.com/office/powerpoint/2013/main/command">
   <pc:docChgLst>
     <pc:chgData name="Robson Butler" userId="5c8aff22-4002-407d-87b1-2badee7ce08b" providerId="ADAL" clId="{DC3CA06C-0EFF-4AA7-8B69-07ED12357FD7}"/>
-    <pc:docChg chg="undo redo custSel modSld">
-      <pc:chgData name="Robson Butler" userId="5c8aff22-4002-407d-87b1-2badee7ce08b" providerId="ADAL" clId="{DC3CA06C-0EFF-4AA7-8B69-07ED12357FD7}" dt="2023-03-26T00:53:19.649" v="243" actId="20577"/>
+    <pc:docChg chg="undo redo custSel addSld modSld">
+      <pc:chgData name="Robson Butler" userId="5c8aff22-4002-407d-87b1-2badee7ce08b" providerId="ADAL" clId="{DC3CA06C-0EFF-4AA7-8B69-07ED12357FD7}" dt="2023-03-26T04:04:47.182" v="496" actId="20577"/>
       <pc:docMkLst>
         <pc:docMk/>
       </pc:docMkLst>
@@ -189,17 +190,56 @@
           </ac:spMkLst>
         </pc:spChg>
       </pc:sldChg>
-      <pc:sldChg chg="modSp mod">
-        <pc:chgData name="Robson Butler" userId="5c8aff22-4002-407d-87b1-2badee7ce08b" providerId="ADAL" clId="{DC3CA06C-0EFF-4AA7-8B69-07ED12357FD7}" dt="2023-03-23T01:13:57.556" v="193" actId="20577"/>
+      <pc:sldChg chg="addSp delSp modSp mod">
+        <pc:chgData name="Robson Butler" userId="5c8aff22-4002-407d-87b1-2badee7ce08b" providerId="ADAL" clId="{DC3CA06C-0EFF-4AA7-8B69-07ED12357FD7}" dt="2023-03-26T03:46:34.264" v="349" actId="20577"/>
         <pc:sldMkLst>
           <pc:docMk/>
           <pc:sldMk cId="975627948" sldId="272"/>
         </pc:sldMkLst>
-        <pc:graphicFrameChg chg="modGraphic">
-          <ac:chgData name="Robson Butler" userId="5c8aff22-4002-407d-87b1-2badee7ce08b" providerId="ADAL" clId="{DC3CA06C-0EFF-4AA7-8B69-07ED12357FD7}" dt="2023-03-23T01:13:57.556" v="193" actId="20577"/>
+        <pc:spChg chg="mod">
+          <ac:chgData name="Robson Butler" userId="5c8aff22-4002-407d-87b1-2badee7ce08b" providerId="ADAL" clId="{DC3CA06C-0EFF-4AA7-8B69-07ED12357FD7}" dt="2023-03-26T01:14:17.242" v="246" actId="20577"/>
+          <ac:spMkLst>
+            <pc:docMk/>
+            <pc:sldMk cId="975627948" sldId="272"/>
+            <ac:spMk id="2" creationId="{0D168B5A-EFF4-4803-8DA6-5994B306EBAF}"/>
+          </ac:spMkLst>
+        </pc:spChg>
+        <pc:spChg chg="add del">
+          <ac:chgData name="Robson Butler" userId="5c8aff22-4002-407d-87b1-2badee7ce08b" providerId="ADAL" clId="{DC3CA06C-0EFF-4AA7-8B69-07ED12357FD7}" dt="2023-03-26T03:34:10.890" v="261" actId="22"/>
+          <ac:spMkLst>
+            <pc:docMk/>
+            <pc:sldMk cId="975627948" sldId="272"/>
+            <ac:spMk id="4" creationId="{1B2D90D5-7169-9930-11E9-33ADF6ABA892}"/>
+          </ac:spMkLst>
+        </pc:spChg>
+        <pc:graphicFrameChg chg="mod modGraphic">
+          <ac:chgData name="Robson Butler" userId="5c8aff22-4002-407d-87b1-2badee7ce08b" providerId="ADAL" clId="{DC3CA06C-0EFF-4AA7-8B69-07ED12357FD7}" dt="2023-03-26T03:46:34.264" v="349" actId="20577"/>
           <ac:graphicFrameMkLst>
             <pc:docMk/>
             <pc:sldMk cId="975627948" sldId="272"/>
+            <ac:graphicFrameMk id="6" creationId="{A02ECB3F-5E1A-4602-8844-49609D54ADF8}"/>
+          </ac:graphicFrameMkLst>
+        </pc:graphicFrameChg>
+      </pc:sldChg>
+      <pc:sldChg chg="modSp add mod">
+        <pc:chgData name="Robson Butler" userId="5c8aff22-4002-407d-87b1-2badee7ce08b" providerId="ADAL" clId="{DC3CA06C-0EFF-4AA7-8B69-07ED12357FD7}" dt="2023-03-26T04:04:47.182" v="496" actId="20577"/>
+        <pc:sldMkLst>
+          <pc:docMk/>
+          <pc:sldMk cId="481397389" sldId="275"/>
+        </pc:sldMkLst>
+        <pc:spChg chg="mod">
+          <ac:chgData name="Robson Butler" userId="5c8aff22-4002-407d-87b1-2badee7ce08b" providerId="ADAL" clId="{DC3CA06C-0EFF-4AA7-8B69-07ED12357FD7}" dt="2023-03-26T01:14:22.927" v="248" actId="20577"/>
+          <ac:spMkLst>
+            <pc:docMk/>
+            <pc:sldMk cId="481397389" sldId="275"/>
+            <ac:spMk id="2" creationId="{0D168B5A-EFF4-4803-8DA6-5994B306EBAF}"/>
+          </ac:spMkLst>
+        </pc:spChg>
+        <pc:graphicFrameChg chg="mod modGraphic">
+          <ac:chgData name="Robson Butler" userId="5c8aff22-4002-407d-87b1-2badee7ce08b" providerId="ADAL" clId="{DC3CA06C-0EFF-4AA7-8B69-07ED12357FD7}" dt="2023-03-26T04:04:47.182" v="496" actId="20577"/>
+          <ac:graphicFrameMkLst>
+            <pc:docMk/>
+            <pc:sldMk cId="481397389" sldId="275"/>
             <ac:graphicFrameMk id="6" creationId="{A02ECB3F-5E1A-4602-8844-49609D54ADF8}"/>
           </ac:graphicFrameMkLst>
         </pc:graphicFrameChg>
@@ -646,6 +686,115 @@
 </p:notes>
 </file>
 
+<file path=ppt/notesSlides/notesSlide10.xml><?xml version="1.0" encoding="utf-8"?>
+<p:notes xmlns:a="http://schemas.openxmlformats.org/drawingml/2006/main" xmlns:r="http://schemas.openxmlformats.org/officeDocument/2006/relationships" xmlns:p="http://schemas.openxmlformats.org/presentationml/2006/main">
+  <p:cSld>
+    <p:spTree>
+      <p:nvGrpSpPr>
+        <p:cNvPr id="1" name=""/>
+        <p:cNvGrpSpPr/>
+        <p:nvPr/>
+      </p:nvGrpSpPr>
+      <p:grpSpPr>
+        <a:xfrm>
+          <a:off x="0" y="0"/>
+          <a:ext cx="0" cy="0"/>
+          <a:chOff x="0" y="0"/>
+          <a:chExt cx="0" cy="0"/>
+        </a:xfrm>
+      </p:grpSpPr>
+      <p:sp>
+        <p:nvSpPr>
+          <p:cNvPr id="2" name="Slide Image Placeholder 1"/>
+          <p:cNvSpPr>
+            <a:spLocks noGrp="1" noRot="1" noChangeAspect="1"/>
+          </p:cNvSpPr>
+          <p:nvPr>
+            <p:ph type="sldImg"/>
+          </p:nvPr>
+        </p:nvSpPr>
+        <p:spPr/>
+      </p:sp>
+      <p:sp>
+        <p:nvSpPr>
+          <p:cNvPr id="3" name="Notes Placeholder 2"/>
+          <p:cNvSpPr>
+            <a:spLocks noGrp="1"/>
+          </p:cNvSpPr>
+          <p:nvPr>
+            <p:ph type="body" idx="1"/>
+          </p:nvPr>
+        </p:nvSpPr>
+        <p:spPr/>
+        <p:txBody>
+          <a:bodyPr/>
+          <a:lstStyle/>
+          <a:p>
+            <a:pPr marL="0" marR="0" lvl="0" indent="0" algn="l" defTabSz="914400" rtl="0" eaLnBrk="1" fontAlgn="auto" latinLnBrk="0" hangingPunct="1">
+              <a:lnSpc>
+                <a:spcPct val="100000"/>
+              </a:lnSpc>
+              <a:spcBef>
+                <a:spcPts val="0"/>
+              </a:spcBef>
+              <a:spcAft>
+                <a:spcPts val="0"/>
+              </a:spcAft>
+              <a:buClrTx/>
+              <a:buSzTx/>
+              <a:buFontTx/>
+              <a:buNone/>
+              <a:tabLst/>
+              <a:defRPr/>
+            </a:pPr>
+            <a:r>
+              <a:rPr lang="en-NZ" i="1" dirty="0">
+                <a:latin typeface="Arial" panose="020B0604020202020204" pitchFamily="34" charset="0"/>
+              </a:rPr>
+              <a:t>Discuss how the information from planning, testing and trialling of components assisted in the development of a high-quality outcome.</a:t>
+            </a:r>
+          </a:p>
+          <a:p>
+            <a:endParaRPr lang="en-NZ" dirty="0"/>
+          </a:p>
+        </p:txBody>
+      </p:sp>
+      <p:sp>
+        <p:nvSpPr>
+          <p:cNvPr id="4" name="Slide Number Placeholder 3"/>
+          <p:cNvSpPr>
+            <a:spLocks noGrp="1"/>
+          </p:cNvSpPr>
+          <p:nvPr>
+            <p:ph type="sldNum" sz="quarter" idx="5"/>
+          </p:nvPr>
+        </p:nvSpPr>
+        <p:spPr/>
+        <p:txBody>
+          <a:bodyPr/>
+          <a:lstStyle/>
+          <a:p>
+            <a:fld id="{D89B2B17-F4B1-4A14-AF99-5A366D45E74A}" type="slidenum">
+              <a:rPr lang="en-NZ" smtClean="0"/>
+              <a:t>13</a:t>
+            </a:fld>
+            <a:endParaRPr lang="en-NZ"/>
+          </a:p>
+        </p:txBody>
+      </p:sp>
+    </p:spTree>
+    <p:extLst>
+      <p:ext uri="{BB962C8B-B14F-4D97-AF65-F5344CB8AC3E}">
+        <p14:creationId xmlns:p14="http://schemas.microsoft.com/office/powerpoint/2010/main" val="1738331893"/>
+      </p:ext>
+    </p:extLst>
+  </p:cSld>
+  <p:clrMapOvr>
+    <a:masterClrMapping/>
+  </p:clrMapOvr>
+</p:notes>
+</file>
+
 <file path=ppt/notesSlides/notesSlide2.xml><?xml version="1.0" encoding="utf-8"?>
 <p:notes xmlns:a="http://schemas.openxmlformats.org/drawingml/2006/main" xmlns:r="http://schemas.openxmlformats.org/officeDocument/2006/relationships" xmlns:p="http://schemas.openxmlformats.org/presentationml/2006/main">
   <p:cSld>
@@ -690,6 +839,93 @@
           <a:bodyPr/>
           <a:lstStyle/>
           <a:p>
+            <a:r>
+              <a:rPr lang="en-NZ" dirty="0"/>
+              <a:t>Additional rows can be added by clicking in the last cell and then using the Tab key </a:t>
+            </a:r>
+          </a:p>
+        </p:txBody>
+      </p:sp>
+      <p:sp>
+        <p:nvSpPr>
+          <p:cNvPr id="4" name="Slide Number Placeholder 3"/>
+          <p:cNvSpPr>
+            <a:spLocks noGrp="1"/>
+          </p:cNvSpPr>
+          <p:nvPr>
+            <p:ph type="sldNum" sz="quarter" idx="5"/>
+          </p:nvPr>
+        </p:nvSpPr>
+        <p:spPr/>
+        <p:txBody>
+          <a:bodyPr/>
+          <a:lstStyle/>
+          <a:p>
+            <a:fld id="{D89B2B17-F4B1-4A14-AF99-5A366D45E74A}" type="slidenum">
+              <a:rPr lang="en-NZ" smtClean="0"/>
+              <a:t>4</a:t>
+            </a:fld>
+            <a:endParaRPr lang="en-NZ"/>
+          </a:p>
+        </p:txBody>
+      </p:sp>
+    </p:spTree>
+    <p:extLst>
+      <p:ext uri="{BB962C8B-B14F-4D97-AF65-F5344CB8AC3E}">
+        <p14:creationId xmlns:p14="http://schemas.microsoft.com/office/powerpoint/2010/main" val="1444426629"/>
+      </p:ext>
+    </p:extLst>
+  </p:cSld>
+  <p:clrMapOvr>
+    <a:masterClrMapping/>
+  </p:clrMapOvr>
+</p:notes>
+</file>
+
+<file path=ppt/notesSlides/notesSlide3.xml><?xml version="1.0" encoding="utf-8"?>
+<p:notes xmlns:a="http://schemas.openxmlformats.org/drawingml/2006/main" xmlns:r="http://schemas.openxmlformats.org/officeDocument/2006/relationships" xmlns:p="http://schemas.openxmlformats.org/presentationml/2006/main">
+  <p:cSld>
+    <p:spTree>
+      <p:nvGrpSpPr>
+        <p:cNvPr id="1" name=""/>
+        <p:cNvGrpSpPr/>
+        <p:nvPr/>
+      </p:nvGrpSpPr>
+      <p:grpSpPr>
+        <a:xfrm>
+          <a:off x="0" y="0"/>
+          <a:ext cx="0" cy="0"/>
+          <a:chOff x="0" y="0"/>
+          <a:chExt cx="0" cy="0"/>
+        </a:xfrm>
+      </p:grpSpPr>
+      <p:sp>
+        <p:nvSpPr>
+          <p:cNvPr id="2" name="Slide Image Placeholder 1"/>
+          <p:cNvSpPr>
+            <a:spLocks noGrp="1" noRot="1" noChangeAspect="1"/>
+          </p:cNvSpPr>
+          <p:nvPr>
+            <p:ph type="sldImg"/>
+          </p:nvPr>
+        </p:nvSpPr>
+        <p:spPr/>
+      </p:sp>
+      <p:sp>
+        <p:nvSpPr>
+          <p:cNvPr id="3" name="Notes Placeholder 2"/>
+          <p:cNvSpPr>
+            <a:spLocks noGrp="1"/>
+          </p:cNvSpPr>
+          <p:nvPr>
+            <p:ph type="body" idx="1"/>
+          </p:nvPr>
+        </p:nvSpPr>
+        <p:spPr/>
+        <p:txBody>
+          <a:bodyPr/>
+          <a:lstStyle/>
+          <a:p>
             <a:pPr marL="0" marR="0" lvl="0" indent="0" algn="l" defTabSz="914400" rtl="0" eaLnBrk="1" fontAlgn="auto" latinLnBrk="0" hangingPunct="1">
               <a:lnSpc>
                 <a:spcPct val="100000"/>
@@ -761,7 +997,7 @@
           <a:p>
             <a:fld id="{D89B2B17-F4B1-4A14-AF99-5A366D45E74A}" type="slidenum">
               <a:rPr lang="en-NZ" smtClean="0"/>
-              <a:t>4</a:t>
+              <a:t>5</a:t>
             </a:fld>
             <a:endParaRPr lang="en-NZ"/>
           </a:p>
@@ -780,7 +1016,7 @@
 </p:notes>
 </file>
 
-<file path=ppt/notesSlides/notesSlide3.xml><?xml version="1.0" encoding="utf-8"?>
+<file path=ppt/notesSlides/notesSlide4.xml><?xml version="1.0" encoding="utf-8"?>
 <p:notes xmlns:a="http://schemas.openxmlformats.org/drawingml/2006/main" xmlns:r="http://schemas.openxmlformats.org/officeDocument/2006/relationships" xmlns:p="http://schemas.openxmlformats.org/presentationml/2006/main" showMasterSp="0" showMasterPhAnim="0">
   <p:cSld>
     <p:spTree>
@@ -884,7 +1120,7 @@
 </p:notes>
 </file>
 
-<file path=ppt/notesSlides/notesSlide4.xml><?xml version="1.0" encoding="utf-8"?>
+<file path=ppt/notesSlides/notesSlide5.xml><?xml version="1.0" encoding="utf-8"?>
 <p:notes xmlns:a="http://schemas.openxmlformats.org/drawingml/2006/main" xmlns:r="http://schemas.openxmlformats.org/officeDocument/2006/relationships" xmlns:p="http://schemas.openxmlformats.org/presentationml/2006/main" showMasterSp="0" showMasterPhAnim="0">
   <p:cSld>
     <p:spTree>
@@ -1011,108 +1247,6 @@
 </p:notes>
 </file>
 
-<file path=ppt/notesSlides/notesSlide5.xml><?xml version="1.0" encoding="utf-8"?>
-<p:notes xmlns:a="http://schemas.openxmlformats.org/drawingml/2006/main" xmlns:r="http://schemas.openxmlformats.org/officeDocument/2006/relationships" xmlns:p="http://schemas.openxmlformats.org/presentationml/2006/main">
-  <p:cSld>
-    <p:spTree>
-      <p:nvGrpSpPr>
-        <p:cNvPr id="1" name=""/>
-        <p:cNvGrpSpPr/>
-        <p:nvPr/>
-      </p:nvGrpSpPr>
-      <p:grpSpPr>
-        <a:xfrm>
-          <a:off x="0" y="0"/>
-          <a:ext cx="0" cy="0"/>
-          <a:chOff x="0" y="0"/>
-          <a:chExt cx="0" cy="0"/>
-        </a:xfrm>
-      </p:grpSpPr>
-      <p:sp>
-        <p:nvSpPr>
-          <p:cNvPr id="2" name="Slide Image Placeholder 1"/>
-          <p:cNvSpPr>
-            <a:spLocks noGrp="1" noRot="1" noChangeAspect="1"/>
-          </p:cNvSpPr>
-          <p:nvPr>
-            <p:ph type="sldImg"/>
-          </p:nvPr>
-        </p:nvSpPr>
-        <p:spPr/>
-      </p:sp>
-      <p:sp>
-        <p:nvSpPr>
-          <p:cNvPr id="3" name="Notes Placeholder 2"/>
-          <p:cNvSpPr>
-            <a:spLocks noGrp="1"/>
-          </p:cNvSpPr>
-          <p:nvPr>
-            <p:ph type="body" idx="1"/>
-          </p:nvPr>
-        </p:nvSpPr>
-        <p:spPr/>
-        <p:txBody>
-          <a:bodyPr/>
-          <a:lstStyle/>
-          <a:p>
-            <a:r>
-              <a:rPr lang="en-NZ" i="1" dirty="0"/>
-              <a:t>NOTE: Trialling needs to happen for </a:t>
-            </a:r>
-            <a:r>
-              <a:rPr lang="en-NZ" b="1" i="1" dirty="0"/>
-              <a:t>at least 2 </a:t>
-            </a:r>
-            <a:r>
-              <a:rPr lang="en-NZ" i="1" dirty="0"/>
-              <a:t>of your components but is not necessary for ALL components.</a:t>
-            </a:r>
-          </a:p>
-          <a:p>
-            <a:r>
-              <a:rPr lang="en" i="1" dirty="0"/>
-              <a:t>Trialling is not the same as testing. Trialling is about finding different ways of building the same component. Show evidence of  your trialling  here. Select one of your trials for further development and give reasons for your choice. </a:t>
-            </a:r>
-            <a:endParaRPr lang="en-NZ" dirty="0"/>
-          </a:p>
-        </p:txBody>
-      </p:sp>
-      <p:sp>
-        <p:nvSpPr>
-          <p:cNvPr id="4" name="Slide Number Placeholder 3"/>
-          <p:cNvSpPr>
-            <a:spLocks noGrp="1"/>
-          </p:cNvSpPr>
-          <p:nvPr>
-            <p:ph type="sldNum" sz="quarter" idx="5"/>
-          </p:nvPr>
-        </p:nvSpPr>
-        <p:spPr/>
-        <p:txBody>
-          <a:bodyPr/>
-          <a:lstStyle/>
-          <a:p>
-            <a:fld id="{D89B2B17-F4B1-4A14-AF99-5A366D45E74A}" type="slidenum">
-              <a:rPr lang="en-NZ" smtClean="0"/>
-              <a:t>7</a:t>
-            </a:fld>
-            <a:endParaRPr lang="en-NZ"/>
-          </a:p>
-        </p:txBody>
-      </p:sp>
-    </p:spTree>
-    <p:extLst>
-      <p:ext uri="{BB962C8B-B14F-4D97-AF65-F5344CB8AC3E}">
-        <p14:creationId xmlns:p14="http://schemas.microsoft.com/office/powerpoint/2010/main" val="120689959"/>
-      </p:ext>
-    </p:extLst>
-  </p:cSld>
-  <p:clrMapOvr>
-    <a:masterClrMapping/>
-  </p:clrMapOvr>
-</p:notes>
-</file>
-
 <file path=ppt/notesSlides/notesSlide6.xml><?xml version="1.0" encoding="utf-8"?>
 <p:notes xmlns:a="http://schemas.openxmlformats.org/drawingml/2006/main" xmlns:r="http://schemas.openxmlformats.org/officeDocument/2006/relationships" xmlns:p="http://schemas.openxmlformats.org/presentationml/2006/main">
   <p:cSld>
@@ -1157,22 +1291,25 @@
           <a:bodyPr/>
           <a:lstStyle/>
           <a:p>
-            <a:pPr>
-              <a:lnSpc>
-                <a:spcPct val="115000"/>
-              </a:lnSpc>
-            </a:pPr>
-            <a:r>
-              <a:rPr lang="en-NZ" i="1" dirty="0">
-                <a:latin typeface="Arial" panose="020B0604020202020204" pitchFamily="34" charset="0"/>
-                <a:ea typeface="Arial" panose="020B0604020202020204" pitchFamily="34" charset="0"/>
-              </a:rPr>
-              <a:t>You must show the results of testing. For each component, include a screenshot proving it works.  You can also include notes about each test. </a:t>
-            </a:r>
-            <a:endParaRPr lang="en-NZ" dirty="0">
-              <a:latin typeface="Arial" panose="020B0604020202020204" pitchFamily="34" charset="0"/>
-              <a:ea typeface="Arial" panose="020B0604020202020204" pitchFamily="34" charset="0"/>
-            </a:endParaRPr>
+            <a:r>
+              <a:rPr lang="en-NZ" i="1" dirty="0"/>
+              <a:t>NOTE: Trialling needs to happen for </a:t>
+            </a:r>
+            <a:r>
+              <a:rPr lang="en-NZ" b="1" i="1" dirty="0"/>
+              <a:t>at least 2 </a:t>
+            </a:r>
+            <a:r>
+              <a:rPr lang="en-NZ" i="1" dirty="0"/>
+              <a:t>of your components but is not necessary for ALL components.</a:t>
+            </a:r>
+          </a:p>
+          <a:p>
+            <a:r>
+              <a:rPr lang="en" i="1" dirty="0"/>
+              <a:t>Trialling is not the same as testing. Trialling is about finding different ways of building the same component. Show evidence of  your trialling  here. Select one of your trials for further development and give reasons for your choice. </a:t>
+            </a:r>
+            <a:endParaRPr lang="en-NZ" dirty="0"/>
           </a:p>
         </p:txBody>
       </p:sp>
@@ -1202,7 +1339,7 @@
     </p:spTree>
     <p:extLst>
       <p:ext uri="{BB962C8B-B14F-4D97-AF65-F5344CB8AC3E}">
-        <p14:creationId xmlns:p14="http://schemas.microsoft.com/office/powerpoint/2010/main" val="3683133660"/>
+        <p14:creationId xmlns:p14="http://schemas.microsoft.com/office/powerpoint/2010/main" val="120689959"/>
       </p:ext>
     </p:extLst>
   </p:cSld>
@@ -1256,31 +1393,22 @@
           <a:bodyPr/>
           <a:lstStyle/>
           <a:p>
-            <a:pPr marL="0" marR="0" lvl="0" indent="0" algn="l" defTabSz="914400" rtl="0" eaLnBrk="1" fontAlgn="auto" latinLnBrk="0" hangingPunct="1">
+            <a:pPr>
               <a:lnSpc>
-                <a:spcPct val="100000"/>
+                <a:spcPct val="115000"/>
               </a:lnSpc>
-              <a:spcBef>
-                <a:spcPts val="0"/>
-              </a:spcBef>
-              <a:spcAft>
-                <a:spcPts val="0"/>
-              </a:spcAft>
-              <a:buClrTx/>
-              <a:buSzTx/>
-              <a:buFontTx/>
-              <a:buNone/>
-              <a:tabLst/>
-              <a:defRPr/>
             </a:pPr>
             <a:r>
               <a:rPr lang="en-NZ" i="1" dirty="0">
                 <a:latin typeface="Arial" panose="020B0604020202020204" pitchFamily="34" charset="0"/>
                 <a:ea typeface="Arial" panose="020B0604020202020204" pitchFamily="34" charset="0"/>
               </a:rPr>
-              <a:t>Show testing for your assembled outcome below.  This should include a test plan followed by screenshot proof.  </a:t>
-            </a:r>
-            <a:endParaRPr lang="en-NZ" dirty="0"/>
+              <a:t>You must show the results of testing. For each component, include a screenshot proving it works.  You can also include notes about each test. </a:t>
+            </a:r>
+            <a:endParaRPr lang="en-NZ" dirty="0">
+              <a:latin typeface="Arial" panose="020B0604020202020204" pitchFamily="34" charset="0"/>
+              <a:ea typeface="Arial" panose="020B0604020202020204" pitchFamily="34" charset="0"/>
+            </a:endParaRPr>
           </a:p>
         </p:txBody>
       </p:sp>
@@ -1310,7 +1438,7 @@
     </p:spTree>
     <p:extLst>
       <p:ext uri="{BB962C8B-B14F-4D97-AF65-F5344CB8AC3E}">
-        <p14:creationId xmlns:p14="http://schemas.microsoft.com/office/powerpoint/2010/main" val="234755665"/>
+        <p14:creationId xmlns:p14="http://schemas.microsoft.com/office/powerpoint/2010/main" val="3683133660"/>
       </p:ext>
     </p:extLst>
   </p:cSld>
@@ -1386,14 +1514,8 @@
                 <a:latin typeface="Arial" panose="020B0604020202020204" pitchFamily="34" charset="0"/>
                 <a:ea typeface="Arial" panose="020B0604020202020204" pitchFamily="34" charset="0"/>
               </a:rPr>
-              <a:t>Your version control evidence should go here.  This could be in the form of screenshots (both of your GitHub repository as well as your local project folder) as evidence of your incremental development.</a:t>
-            </a:r>
-            <a:endParaRPr lang="en-NZ" dirty="0">
-              <a:latin typeface="Arial" panose="020B0604020202020204" pitchFamily="34" charset="0"/>
-              <a:ea typeface="Arial" panose="020B0604020202020204" pitchFamily="34" charset="0"/>
-            </a:endParaRPr>
-          </a:p>
-          <a:p>
+              <a:t>Show testing for your assembled outcome below.  This should include a test plan followed by screenshot proof.  </a:t>
+            </a:r>
             <a:endParaRPr lang="en-NZ" dirty="0"/>
           </a:p>
         </p:txBody>
@@ -1415,7 +1537,7 @@
           <a:p>
             <a:fld id="{D89B2B17-F4B1-4A14-AF99-5A366D45E74A}" type="slidenum">
               <a:rPr lang="en-NZ" smtClean="0"/>
-              <a:t>11</a:t>
+              <a:t>10</a:t>
             </a:fld>
             <a:endParaRPr lang="en-NZ"/>
           </a:p>
@@ -1424,7 +1546,7 @@
     </p:spTree>
     <p:extLst>
       <p:ext uri="{BB962C8B-B14F-4D97-AF65-F5344CB8AC3E}">
-        <p14:creationId xmlns:p14="http://schemas.microsoft.com/office/powerpoint/2010/main" val="1431557508"/>
+        <p14:creationId xmlns:p14="http://schemas.microsoft.com/office/powerpoint/2010/main" val="234755665"/>
       </p:ext>
     </p:extLst>
   </p:cSld>
@@ -1498,9 +1620,14 @@
             <a:r>
               <a:rPr lang="en-NZ" i="1" dirty="0">
                 <a:latin typeface="Arial" panose="020B0604020202020204" pitchFamily="34" charset="0"/>
+                <a:ea typeface="Arial" panose="020B0604020202020204" pitchFamily="34" charset="0"/>
               </a:rPr>
-              <a:t>Discuss how the information from planning, testing and trialling of components assisted in the development of a high-quality outcome.</a:t>
-            </a:r>
+              <a:t>Your version control evidence should go here.  This could be in the form of screenshots (both of your GitHub repository as well as your local project folder) as evidence of your incremental development.</a:t>
+            </a:r>
+            <a:endParaRPr lang="en-NZ" dirty="0">
+              <a:latin typeface="Arial" panose="020B0604020202020204" pitchFamily="34" charset="0"/>
+              <a:ea typeface="Arial" panose="020B0604020202020204" pitchFamily="34" charset="0"/>
+            </a:endParaRPr>
           </a:p>
           <a:p>
             <a:endParaRPr lang="en-NZ" dirty="0"/>
@@ -1533,7 +1660,7 @@
     </p:spTree>
     <p:extLst>
       <p:ext uri="{BB962C8B-B14F-4D97-AF65-F5344CB8AC3E}">
-        <p14:creationId xmlns:p14="http://schemas.microsoft.com/office/powerpoint/2010/main" val="1738331893"/>
+        <p14:creationId xmlns:p14="http://schemas.microsoft.com/office/powerpoint/2010/main" val="1431557508"/>
       </p:ext>
     </p:extLst>
   </p:cSld>
@@ -5237,6 +5364,120 @@
           <p:cNvPr id="2" name="Title 1">
             <a:extLst>
               <a:ext uri="{FF2B5EF4-FFF2-40B4-BE49-F238E27FC236}">
+                <a16:creationId xmlns:a16="http://schemas.microsoft.com/office/drawing/2014/main" id="{183CAE4A-E189-4CAA-B3F5-7E97BC5188E3}"/>
+              </a:ext>
+            </a:extLst>
+          </p:cNvPr>
+          <p:cNvSpPr>
+            <a:spLocks noGrp="1"/>
+          </p:cNvSpPr>
+          <p:nvPr>
+            <p:ph type="title"/>
+          </p:nvPr>
+        </p:nvSpPr>
+        <p:spPr>
+          <a:xfrm>
+            <a:off x="838199" y="406400"/>
+            <a:ext cx="10515600" cy="583248"/>
+          </a:xfrm>
+        </p:spPr>
+        <p:txBody>
+          <a:bodyPr>
+            <a:normAutofit fontScale="90000"/>
+          </a:bodyPr>
+          <a:lstStyle/>
+          <a:p>
+            <a:r>
+              <a:rPr lang="en-NZ" sz="4000" dirty="0"/>
+              <a:t>Assembled Outcome Testing:</a:t>
+            </a:r>
+          </a:p>
+        </p:txBody>
+      </p:sp>
+      <p:sp>
+        <p:nvSpPr>
+          <p:cNvPr id="3" name="Rectangle 2">
+            <a:extLst>
+              <a:ext uri="{FF2B5EF4-FFF2-40B4-BE49-F238E27FC236}">
+                <a16:creationId xmlns:a16="http://schemas.microsoft.com/office/drawing/2014/main" id="{DB8F61FF-932E-477F-82DD-3F6BB93999C0}"/>
+              </a:ext>
+            </a:extLst>
+          </p:cNvPr>
+          <p:cNvSpPr/>
+          <p:nvPr/>
+        </p:nvSpPr>
+        <p:spPr>
+          <a:xfrm>
+            <a:off x="838199" y="1089283"/>
+            <a:ext cx="8767813" cy="702372"/>
+          </a:xfrm>
+          <a:prstGeom prst="rect">
+            <a:avLst/>
+          </a:prstGeom>
+        </p:spPr>
+        <p:txBody>
+          <a:bodyPr wrap="square">
+            <a:spAutoFit/>
+          </a:bodyPr>
+          <a:lstStyle/>
+          <a:p>
+            <a:pPr>
+              <a:lnSpc>
+                <a:spcPct val="115000"/>
+              </a:lnSpc>
+              <a:spcAft>
+                <a:spcPts val="0"/>
+              </a:spcAft>
+            </a:pPr>
+            <a:r>
+              <a:rPr lang="en-NZ" i="1" dirty="0">
+                <a:latin typeface="Arial" panose="020B0604020202020204" pitchFamily="34" charset="0"/>
+                <a:ea typeface="Arial" panose="020B0604020202020204" pitchFamily="34" charset="0"/>
+              </a:rPr>
+              <a:t>Show testing for your assembled outcome below.  This should include a test plan followed by screenshot proof.  </a:t>
+            </a:r>
+            <a:endParaRPr lang="en-NZ" dirty="0">
+              <a:latin typeface="Arial" panose="020B0604020202020204" pitchFamily="34" charset="0"/>
+              <a:ea typeface="Arial" panose="020B0604020202020204" pitchFamily="34" charset="0"/>
+            </a:endParaRPr>
+          </a:p>
+        </p:txBody>
+      </p:sp>
+    </p:spTree>
+    <p:extLst>
+      <p:ext uri="{BB962C8B-B14F-4D97-AF65-F5344CB8AC3E}">
+        <p14:creationId xmlns:p14="http://schemas.microsoft.com/office/powerpoint/2010/main" val="1084233196"/>
+      </p:ext>
+    </p:extLst>
+  </p:cSld>
+  <p:clrMapOvr>
+    <a:masterClrMapping/>
+  </p:clrMapOvr>
+</p:sld>
+</file>
+
+<file path=ppt/slides/slide11.xml><?xml version="1.0" encoding="utf-8"?>
+<p:sld xmlns:a="http://schemas.openxmlformats.org/drawingml/2006/main" xmlns:r="http://schemas.openxmlformats.org/officeDocument/2006/relationships" xmlns:p="http://schemas.openxmlformats.org/presentationml/2006/main">
+  <p:cSld>
+    <p:spTree>
+      <p:nvGrpSpPr>
+        <p:cNvPr id="1" name=""/>
+        <p:cNvGrpSpPr/>
+        <p:nvPr/>
+      </p:nvGrpSpPr>
+      <p:grpSpPr>
+        <a:xfrm>
+          <a:off x="0" y="0"/>
+          <a:ext cx="0" cy="0"/>
+          <a:chOff x="0" y="0"/>
+          <a:chExt cx="0" cy="0"/>
+        </a:xfrm>
+      </p:grpSpPr>
+      <p:sp>
+        <p:nvSpPr>
+          <p:cNvPr id="2" name="Title 1">
+            <a:extLst>
+              <a:ext uri="{FF2B5EF4-FFF2-40B4-BE49-F238E27FC236}">
                 <a16:creationId xmlns:a16="http://schemas.microsoft.com/office/drawing/2014/main" id="{0D168B5A-EFF4-4803-8DA6-5994B306EBAF}"/>
               </a:ext>
             </a:extLst>
@@ -5487,7 +5728,7 @@
 </p:sld>
 </file>
 
-<file path=ppt/slides/slide11.xml><?xml version="1.0" encoding="utf-8"?>
+<file path=ppt/slides/slide12.xml><?xml version="1.0" encoding="utf-8"?>
 <p:sld xmlns:a="http://schemas.openxmlformats.org/drawingml/2006/main" xmlns:r="http://schemas.openxmlformats.org/officeDocument/2006/relationships" xmlns:p="http://schemas.openxmlformats.org/presentationml/2006/main">
   <p:cSld>
     <p:spTree>
@@ -5601,7 +5842,7 @@
 </p:sld>
 </file>
 
-<file path=ppt/slides/slide12.xml><?xml version="1.0" encoding="utf-8"?>
+<file path=ppt/slides/slide13.xml><?xml version="1.0" encoding="utf-8"?>
 <p:sld xmlns:a="http://schemas.openxmlformats.org/drawingml/2006/main" xmlns:r="http://schemas.openxmlformats.org/officeDocument/2006/relationships" xmlns:p="http://schemas.openxmlformats.org/presentationml/2006/main">
   <p:cSld>
     <p:spTree>
@@ -6301,7 +6542,7 @@
             </a:pPr>
             <a:r>
               <a:rPr lang="en-NZ" dirty="0"/>
-              <a:t>Describe relevant Implications:</a:t>
+              <a:t>Describe relevant Implications 1:</a:t>
             </a:r>
           </a:p>
         </p:txBody>
@@ -6372,14 +6613,323 @@
           <p:nvPr>
             <p:extLst>
               <p:ext uri="{D42A27DB-BD31-4B8C-83A1-F6EECF244321}">
-                <p14:modId xmlns:p14="http://schemas.microsoft.com/office/powerpoint/2010/main" val="440106947"/>
+                <p14:modId xmlns:p14="http://schemas.microsoft.com/office/powerpoint/2010/main" val="1483082976"/>
               </p:ext>
             </p:extLst>
           </p:nvPr>
         </p:nvGraphicFramePr>
         <p:xfrm>
           <a:off x="589280" y="1574800"/>
-          <a:ext cx="10515600" cy="1854200"/>
+          <a:ext cx="10515600" cy="4759960"/>
+        </p:xfrm>
+        <a:graphic>
+          <a:graphicData uri="http://schemas.openxmlformats.org/drawingml/2006/table">
+            <a:tbl>
+              <a:tblPr firstRow="1" bandRow="1">
+                <a:tableStyleId>{5C22544A-7EE6-4342-B048-85BDC9FD1C3A}</a:tableStyleId>
+              </a:tblPr>
+              <a:tblGrid>
+                <a:gridCol w="4017753">
+                  <a:extLst>
+                    <a:ext uri="{9D8B030D-6E8A-4147-A177-3AD203B41FA5}">
+                      <a16:colId xmlns:a16="http://schemas.microsoft.com/office/drawing/2014/main" val="2849256304"/>
+                    </a:ext>
+                  </a:extLst>
+                </a:gridCol>
+                <a:gridCol w="6497847">
+                  <a:extLst>
+                    <a:ext uri="{9D8B030D-6E8A-4147-A177-3AD203B41FA5}">
+                      <a16:colId xmlns:a16="http://schemas.microsoft.com/office/drawing/2014/main" val="2106481727"/>
+                    </a:ext>
+                  </a:extLst>
+                </a:gridCol>
+              </a:tblGrid>
+              <a:tr h="370840">
+                <a:tc>
+                  <a:txBody>
+                    <a:bodyPr/>
+                    <a:lstStyle/>
+                    <a:p>
+                      <a:r>
+                        <a:rPr lang="en-NZ" dirty="0"/>
+                        <a:t>Relevant implication</a:t>
+                      </a:r>
+                    </a:p>
+                  </a:txBody>
+                  <a:tcPr/>
+                </a:tc>
+                <a:tc>
+                  <a:txBody>
+                    <a:bodyPr/>
+                    <a:lstStyle/>
+                    <a:p>
+                      <a:r>
+                        <a:rPr lang="en-NZ" dirty="0"/>
+                        <a:t>Describe the implication and give an example</a:t>
+                      </a:r>
+                    </a:p>
+                  </a:txBody>
+                  <a:tcPr/>
+                </a:tc>
+                <a:extLst>
+                  <a:ext uri="{0D108BD9-81ED-4DB2-BD59-A6C34878D82A}">
+                    <a16:rowId xmlns:a16="http://schemas.microsoft.com/office/drawing/2014/main" val="2286542890"/>
+                  </a:ext>
+                </a:extLst>
+              </a:tr>
+              <a:tr h="743131">
+                <a:tc>
+                  <a:txBody>
+                    <a:bodyPr/>
+                    <a:lstStyle/>
+                    <a:p>
+                      <a:r>
+                        <a:rPr lang="en-NZ" dirty="0"/>
+                        <a:t>Functionality</a:t>
+                      </a:r>
+                    </a:p>
+                  </a:txBody>
+                  <a:tcPr/>
+                </a:tc>
+                <a:tc>
+                  <a:txBody>
+                    <a:bodyPr/>
+                    <a:lstStyle/>
+                    <a:p>
+                      <a:r>
+                        <a:rPr lang="en-US" dirty="0"/>
+                        <a:t>Functionality is to make sure that the program performs as intended. It must work for expected, boundary, and unexpected scenarios. For instance, if my software asks the user how many rounds they want, it should function for expected input, such as "2," or boundary input, such as "1," but it shouldn't crash if the user enters an incorrect value, such as "0," "0.5," or "one."</a:t>
+                      </a:r>
+                      <a:endParaRPr lang="en-NZ" dirty="0"/>
+                    </a:p>
+                  </a:txBody>
+                  <a:tcPr/>
+                </a:tc>
+                <a:extLst>
+                  <a:ext uri="{0D108BD9-81ED-4DB2-BD59-A6C34878D82A}">
+                    <a16:rowId xmlns:a16="http://schemas.microsoft.com/office/drawing/2014/main" val="2636529970"/>
+                  </a:ext>
+                </a:extLst>
+              </a:tr>
+              <a:tr h="370840">
+                <a:tc>
+                  <a:txBody>
+                    <a:bodyPr/>
+                    <a:lstStyle/>
+                    <a:p>
+                      <a:r>
+                        <a:rPr lang="en-NZ" dirty="0"/>
+                        <a:t>Usability</a:t>
+                      </a:r>
+                    </a:p>
+                  </a:txBody>
+                  <a:tcPr/>
+                </a:tc>
+                <a:tc>
+                  <a:txBody>
+                    <a:bodyPr/>
+                    <a:lstStyle/>
+                    <a:p>
+                      <a:r>
+                        <a:rPr lang="en-US" dirty="0"/>
+                        <a:t>Usability refers to how simple it is for the user to use the program for its intended purpose. It addresses concerns like making instructions and error messages understandable to users. It's essential to reduce or get rid of any frustration.</a:t>
+                      </a:r>
+                      <a:endParaRPr lang="en-NZ" dirty="0"/>
+                    </a:p>
+                  </a:txBody>
+                  <a:tcPr/>
+                </a:tc>
+                <a:extLst>
+                  <a:ext uri="{0D108BD9-81ED-4DB2-BD59-A6C34878D82A}">
+                    <a16:rowId xmlns:a16="http://schemas.microsoft.com/office/drawing/2014/main" val="845002142"/>
+                  </a:ext>
+                </a:extLst>
+              </a:tr>
+              <a:tr h="370840">
+                <a:tc>
+                  <a:txBody>
+                    <a:bodyPr/>
+                    <a:lstStyle/>
+                    <a:p>
+                      <a:r>
+                        <a:rPr lang="en-NZ" dirty="0"/>
+                        <a:t>Aesthetics</a:t>
+                      </a:r>
+                    </a:p>
+                  </a:txBody>
+                  <a:tcPr/>
+                </a:tc>
+                <a:tc>
+                  <a:txBody>
+                    <a:bodyPr/>
+                    <a:lstStyle/>
+                    <a:p>
+                      <a:r>
+                        <a:rPr lang="en-US" dirty="0"/>
+                        <a:t>Aesthetics is how the program’s overall appearance looks. A program which looks good because it includes well spaced instructions, prompts and ‘decoration’ around key messages is going to be more aesthetically pleasing than one which is composed of unspaced plain text.</a:t>
+                      </a:r>
+                      <a:endParaRPr lang="en-NZ" dirty="0"/>
+                    </a:p>
+                  </a:txBody>
+                  <a:tcPr/>
+                </a:tc>
+                <a:extLst>
+                  <a:ext uri="{0D108BD9-81ED-4DB2-BD59-A6C34878D82A}">
+                    <a16:rowId xmlns:a16="http://schemas.microsoft.com/office/drawing/2014/main" val="1686164491"/>
+                  </a:ext>
+                </a:extLst>
+              </a:tr>
+            </a:tbl>
+          </a:graphicData>
+        </a:graphic>
+      </p:graphicFrame>
+    </p:spTree>
+    <p:extLst>
+      <p:ext uri="{BB962C8B-B14F-4D97-AF65-F5344CB8AC3E}">
+        <p14:creationId xmlns:p14="http://schemas.microsoft.com/office/powerpoint/2010/main" val="975627948"/>
+      </p:ext>
+    </p:extLst>
+  </p:cSld>
+  <p:clrMapOvr>
+    <a:masterClrMapping/>
+  </p:clrMapOvr>
+</p:sld>
+</file>
+
+<file path=ppt/slides/slide4.xml><?xml version="1.0" encoding="utf-8"?>
+<p:sld xmlns:a="http://schemas.openxmlformats.org/drawingml/2006/main" xmlns:r="http://schemas.openxmlformats.org/officeDocument/2006/relationships" xmlns:p="http://schemas.openxmlformats.org/presentationml/2006/main">
+  <p:cSld>
+    <p:spTree>
+      <p:nvGrpSpPr>
+        <p:cNvPr id="1" name=""/>
+        <p:cNvGrpSpPr/>
+        <p:nvPr/>
+      </p:nvGrpSpPr>
+      <p:grpSpPr>
+        <a:xfrm>
+          <a:off x="0" y="0"/>
+          <a:ext cx="0" cy="0"/>
+          <a:chOff x="0" y="0"/>
+          <a:chExt cx="0" cy="0"/>
+        </a:xfrm>
+      </p:grpSpPr>
+      <p:sp>
+        <p:nvSpPr>
+          <p:cNvPr id="2" name="Title 1">
+            <a:extLst>
+              <a:ext uri="{FF2B5EF4-FFF2-40B4-BE49-F238E27FC236}">
+                <a16:creationId xmlns:a16="http://schemas.microsoft.com/office/drawing/2014/main" id="{0D168B5A-EFF4-4803-8DA6-5994B306EBAF}"/>
+              </a:ext>
+            </a:extLst>
+          </p:cNvPr>
+          <p:cNvSpPr>
+            <a:spLocks noGrp="1"/>
+          </p:cNvSpPr>
+          <p:nvPr>
+            <p:ph type="title"/>
+          </p:nvPr>
+        </p:nvSpPr>
+        <p:spPr>
+          <a:xfrm>
+            <a:off x="838200" y="365125"/>
+            <a:ext cx="10515600" cy="559435"/>
+          </a:xfrm>
+        </p:spPr>
+        <p:txBody>
+          <a:bodyPr>
+            <a:normAutofit fontScale="90000"/>
+          </a:bodyPr>
+          <a:lstStyle/>
+          <a:p>
+            <a:pPr>
+              <a:lnSpc>
+                <a:spcPct val="115000"/>
+              </a:lnSpc>
+              <a:spcAft>
+                <a:spcPts val="0"/>
+              </a:spcAft>
+            </a:pPr>
+            <a:r>
+              <a:rPr lang="en-NZ" dirty="0"/>
+              <a:t>Describe relevant Implications 2:</a:t>
+            </a:r>
+          </a:p>
+        </p:txBody>
+      </p:sp>
+      <p:sp>
+        <p:nvSpPr>
+          <p:cNvPr id="5" name="Rectangle 4">
+            <a:extLst>
+              <a:ext uri="{FF2B5EF4-FFF2-40B4-BE49-F238E27FC236}">
+                <a16:creationId xmlns:a16="http://schemas.microsoft.com/office/drawing/2014/main" id="{ACAE53BB-FF7D-43E7-AF26-E5A3D9A837CF}"/>
+              </a:ext>
+            </a:extLst>
+          </p:cNvPr>
+          <p:cNvSpPr/>
+          <p:nvPr/>
+        </p:nvSpPr>
+        <p:spPr>
+          <a:xfrm>
+            <a:off x="726440" y="1028343"/>
+            <a:ext cx="9999846" cy="369332"/>
+          </a:xfrm>
+          <a:prstGeom prst="rect">
+            <a:avLst/>
+          </a:prstGeom>
+        </p:spPr>
+        <p:txBody>
+          <a:bodyPr wrap="square">
+            <a:spAutoFit/>
+          </a:bodyPr>
+          <a:lstStyle/>
+          <a:p>
+            <a:pPr marL="0" marR="0" lvl="0" indent="0" algn="l" defTabSz="914400" rtl="0" eaLnBrk="1" fontAlgn="auto" latinLnBrk="0" hangingPunct="1">
+              <a:lnSpc>
+                <a:spcPct val="100000"/>
+              </a:lnSpc>
+              <a:spcBef>
+                <a:spcPts val="0"/>
+              </a:spcBef>
+              <a:spcAft>
+                <a:spcPts val="0"/>
+              </a:spcAft>
+              <a:buClrTx/>
+              <a:buSzTx/>
+              <a:buFontTx/>
+              <a:buNone/>
+              <a:tabLst/>
+              <a:defRPr/>
+            </a:pPr>
+            <a:r>
+              <a:rPr lang="en-NZ" i="1" dirty="0"/>
+              <a:t>Additional rows can be added by clicking in the last cell and then using the Tab key </a:t>
+            </a:r>
+          </a:p>
+        </p:txBody>
+      </p:sp>
+      <p:graphicFrame>
+        <p:nvGraphicFramePr>
+          <p:cNvPr id="6" name="Table 4">
+            <a:extLst>
+              <a:ext uri="{FF2B5EF4-FFF2-40B4-BE49-F238E27FC236}">
+                <a16:creationId xmlns:a16="http://schemas.microsoft.com/office/drawing/2014/main" id="{A02ECB3F-5E1A-4602-8844-49609D54ADF8}"/>
+              </a:ext>
+            </a:extLst>
+          </p:cNvPr>
+          <p:cNvGraphicFramePr>
+            <a:graphicFrameLocks noGrp="1"/>
+          </p:cNvGraphicFramePr>
+          <p:nvPr>
+            <p:extLst>
+              <p:ext uri="{D42A27DB-BD31-4B8C-83A1-F6EECF244321}">
+                <p14:modId xmlns:p14="http://schemas.microsoft.com/office/powerpoint/2010/main" val="1566226079"/>
+              </p:ext>
+            </p:extLst>
+          </p:nvPr>
+        </p:nvGraphicFramePr>
+        <p:xfrm>
+          <a:off x="589280" y="1574800"/>
+          <a:ext cx="10515600" cy="4668520"/>
         </p:xfrm>
         <a:graphic>
           <a:graphicData uri="http://schemas.openxmlformats.org/drawingml/2006/table">
@@ -6444,7 +6994,7 @@
                     <a:p>
                       <a:r>
                         <a:rPr lang="en-NZ" dirty="0"/>
-                        <a:t>Functionality</a:t>
+                        <a:t>Social</a:t>
                       </a:r>
                     </a:p>
                   </a:txBody>
@@ -6455,6 +7005,18 @@
                     <a:bodyPr/>
                     <a:lstStyle/>
                     <a:p>
+                      <a:r>
+                        <a:rPr lang="en-US" dirty="0"/>
+                        <a:t>The social implications of a computer program are about the affect it might have on users, the wider community, and society. For example, computer programs which are based around a gambling game can have a negative impact on society if there are no safeguards in place to limit users from excessive losses. Its also important to </a:t>
+                      </a:r>
+                      <a:r>
+                        <a:rPr lang="en-US"/>
+                        <a:t>use clear </a:t>
+                      </a:r>
+                      <a:r>
+                        <a:rPr lang="en-US" dirty="0"/>
+                        <a:t>instructions and feedback which is culturally neutral and inoffensive. </a:t>
+                      </a:r>
                       <a:endParaRPr lang="en-NZ" dirty="0"/>
                     </a:p>
                   </a:txBody>
@@ -6472,7 +7034,10 @@
                     <a:bodyPr/>
                     <a:lstStyle/>
                     <a:p>
-                      <a:endParaRPr lang="en-NZ" dirty="0"/>
+                      <a:r>
+                        <a:rPr lang="en-NZ" dirty="0"/>
+                        <a:t>Future Proofing</a:t>
+                      </a:r>
                     </a:p>
                   </a:txBody>
                   <a:tcPr/>
@@ -6482,6 +7047,10 @@
                     <a:bodyPr/>
                     <a:lstStyle/>
                     <a:p>
+                      <a:r>
+                        <a:rPr lang="en-US" dirty="0"/>
+                        <a:t>Future proofing is the process of making a program which is adaptable and easy to modify later if necessary. The code needs to be organized and commented so that another programmer in the future can make changes easily. Anyone who wants to modify my code in the future needs to understand the purpose and reasoning behind different parts of the code. Its important to use constants rather than literals to minimize the number of places where changes must be made.</a:t>
+                      </a:r>
                       <a:endParaRPr lang="en-NZ" dirty="0"/>
                     </a:p>
                   </a:txBody>
@@ -6489,61 +7058,7 @@
                 </a:tc>
                 <a:extLst>
                   <a:ext uri="{0D108BD9-81ED-4DB2-BD59-A6C34878D82A}">
-                    <a16:rowId xmlns:a16="http://schemas.microsoft.com/office/drawing/2014/main" val="845002142"/>
-                  </a:ext>
-                </a:extLst>
-              </a:tr>
-              <a:tr h="370840">
-                <a:tc>
-                  <a:txBody>
-                    <a:bodyPr/>
-                    <a:lstStyle/>
-                    <a:p>
-                      <a:endParaRPr lang="en-NZ" dirty="0"/>
-                    </a:p>
-                  </a:txBody>
-                  <a:tcPr/>
-                </a:tc>
-                <a:tc>
-                  <a:txBody>
-                    <a:bodyPr/>
-                    <a:lstStyle/>
-                    <a:p>
-                      <a:endParaRPr lang="en-NZ" dirty="0"/>
-                    </a:p>
-                  </a:txBody>
-                  <a:tcPr/>
-                </a:tc>
-                <a:extLst>
-                  <a:ext uri="{0D108BD9-81ED-4DB2-BD59-A6C34878D82A}">
-                    <a16:rowId xmlns:a16="http://schemas.microsoft.com/office/drawing/2014/main" val="1686164491"/>
-                  </a:ext>
-                </a:extLst>
-              </a:tr>
-              <a:tr h="370840">
-                <a:tc>
-                  <a:txBody>
-                    <a:bodyPr/>
-                    <a:lstStyle/>
-                    <a:p>
-                      <a:endParaRPr lang="en-NZ" dirty="0"/>
-                    </a:p>
-                  </a:txBody>
-                  <a:tcPr/>
-                </a:tc>
-                <a:tc>
-                  <a:txBody>
-                    <a:bodyPr/>
-                    <a:lstStyle/>
-                    <a:p>
-                      <a:endParaRPr lang="en-NZ" dirty="0"/>
-                    </a:p>
-                  </a:txBody>
-                  <a:tcPr/>
-                </a:tc>
-                <a:extLst>
-                  <a:ext uri="{0D108BD9-81ED-4DB2-BD59-A6C34878D82A}">
-                    <a16:rowId xmlns:a16="http://schemas.microsoft.com/office/drawing/2014/main" val="1038612699"/>
+                    <a16:rowId xmlns:a16="http://schemas.microsoft.com/office/drawing/2014/main" val="3189176884"/>
                   </a:ext>
                 </a:extLst>
               </a:tr>
@@ -6554,7 +7069,7 @@
     </p:spTree>
     <p:extLst>
       <p:ext uri="{BB962C8B-B14F-4D97-AF65-F5344CB8AC3E}">
-        <p14:creationId xmlns:p14="http://schemas.microsoft.com/office/powerpoint/2010/main" val="975627948"/>
+        <p14:creationId xmlns:p14="http://schemas.microsoft.com/office/powerpoint/2010/main" val="481397389"/>
       </p:ext>
     </p:extLst>
   </p:cSld>
@@ -6564,7 +7079,7 @@
 </p:sld>
 </file>
 
-<file path=ppt/slides/slide4.xml><?xml version="1.0" encoding="utf-8"?>
+<file path=ppt/slides/slide5.xml><?xml version="1.0" encoding="utf-8"?>
 <p:sld xmlns:a="http://schemas.openxmlformats.org/drawingml/2006/main" xmlns:r="http://schemas.openxmlformats.org/officeDocument/2006/relationships" xmlns:p="http://schemas.openxmlformats.org/presentationml/2006/main">
   <p:cSld>
     <p:spTree>
@@ -6675,7 +7190,7 @@
 </p:sld>
 </file>
 
-<file path=ppt/slides/slide5.xml><?xml version="1.0" encoding="utf-8"?>
+<file path=ppt/slides/slide6.xml><?xml version="1.0" encoding="utf-8"?>
 <p:sld xmlns:a="http://schemas.openxmlformats.org/drawingml/2006/main" xmlns:r="http://schemas.openxmlformats.org/officeDocument/2006/relationships" xmlns:p="http://schemas.openxmlformats.org/presentationml/2006/main">
   <p:cSld>
     <p:spTree>
@@ -6733,7 +7248,7 @@
 </p:sld>
 </file>
 
-<file path=ppt/slides/slide6.xml><?xml version="1.0" encoding="utf-8"?>
+<file path=ppt/slides/slide7.xml><?xml version="1.0" encoding="utf-8"?>
 <p:sld xmlns:a="http://schemas.openxmlformats.org/drawingml/2006/main" xmlns:r="http://schemas.openxmlformats.org/officeDocument/2006/relationships" xmlns:p="http://schemas.openxmlformats.org/presentationml/2006/main">
   <p:cSld>
     <p:spTree>
@@ -6990,121 +7505,6 @@
 </p:sld>
 </file>
 
-<file path=ppt/slides/slide7.xml><?xml version="1.0" encoding="utf-8"?>
-<p:sld xmlns:a="http://schemas.openxmlformats.org/drawingml/2006/main" xmlns:r="http://schemas.openxmlformats.org/officeDocument/2006/relationships" xmlns:p="http://schemas.openxmlformats.org/presentationml/2006/main">
-  <p:cSld>
-    <p:spTree>
-      <p:nvGrpSpPr>
-        <p:cNvPr id="1" name=""/>
-        <p:cNvGrpSpPr/>
-        <p:nvPr/>
-      </p:nvGrpSpPr>
-      <p:grpSpPr>
-        <a:xfrm>
-          <a:off x="0" y="0"/>
-          <a:ext cx="0" cy="0"/>
-          <a:chOff x="0" y="0"/>
-          <a:chExt cx="0" cy="0"/>
-        </a:xfrm>
-      </p:grpSpPr>
-      <p:sp>
-        <p:nvSpPr>
-          <p:cNvPr id="2" name="Title 1">
-            <a:extLst>
-              <a:ext uri="{FF2B5EF4-FFF2-40B4-BE49-F238E27FC236}">
-                <a16:creationId xmlns:a16="http://schemas.microsoft.com/office/drawing/2014/main" id="{1CC5D32F-7C18-4D00-8D54-2FB046F0A206}"/>
-              </a:ext>
-            </a:extLst>
-          </p:cNvPr>
-          <p:cNvSpPr>
-            <a:spLocks noGrp="1"/>
-          </p:cNvSpPr>
-          <p:nvPr>
-            <p:ph type="title"/>
-          </p:nvPr>
-        </p:nvSpPr>
-        <p:spPr>
-          <a:xfrm>
-            <a:off x="749300" y="223520"/>
-            <a:ext cx="10515600" cy="806768"/>
-          </a:xfrm>
-        </p:spPr>
-        <p:txBody>
-          <a:bodyPr>
-            <a:normAutofit/>
-          </a:bodyPr>
-          <a:lstStyle/>
-          <a:p>
-            <a:r>
-              <a:rPr lang="en-NZ" sz="4000" dirty="0"/>
-              <a:t>[Component name]: Trialling </a:t>
-            </a:r>
-          </a:p>
-        </p:txBody>
-      </p:sp>
-      <p:sp>
-        <p:nvSpPr>
-          <p:cNvPr id="4" name="TextBox 3">
-            <a:extLst>
-              <a:ext uri="{FF2B5EF4-FFF2-40B4-BE49-F238E27FC236}">
-                <a16:creationId xmlns:a16="http://schemas.microsoft.com/office/drawing/2014/main" id="{8CD07A82-A944-4A9B-9A52-515DAC30878A}"/>
-              </a:ext>
-            </a:extLst>
-          </p:cNvPr>
-          <p:cNvSpPr txBox="1"/>
-          <p:nvPr/>
-        </p:nvSpPr>
-        <p:spPr>
-          <a:xfrm>
-            <a:off x="660400" y="1030288"/>
-            <a:ext cx="10693400" cy="923330"/>
-          </a:xfrm>
-          <a:prstGeom prst="rect">
-            <a:avLst/>
-          </a:prstGeom>
-          <a:noFill/>
-        </p:spPr>
-        <p:txBody>
-          <a:bodyPr wrap="square">
-            <a:spAutoFit/>
-          </a:bodyPr>
-          <a:lstStyle/>
-          <a:p>
-            <a:r>
-              <a:rPr lang="en-NZ" i="1" dirty="0"/>
-              <a:t>NOTE: Trialling needs to happen for </a:t>
-            </a:r>
-            <a:r>
-              <a:rPr lang="en-NZ" b="1" i="1" dirty="0"/>
-              <a:t>at least 2 </a:t>
-            </a:r>
-            <a:r>
-              <a:rPr lang="en-NZ" i="1" dirty="0"/>
-              <a:t>of your components but is not necessary for ALL components.</a:t>
-            </a:r>
-          </a:p>
-          <a:p>
-            <a:r>
-              <a:rPr lang="en" i="1" dirty="0"/>
-              <a:t>Trialling is not the same as testing. Trialling is about finding different ways of building the same component. Show evidence of  your trialling  here. Select one of your trials for further development and give reasons for your choice. </a:t>
-            </a:r>
-            <a:endParaRPr lang="en-NZ" dirty="0"/>
-          </a:p>
-        </p:txBody>
-      </p:sp>
-    </p:spTree>
-    <p:extLst>
-      <p:ext uri="{BB962C8B-B14F-4D97-AF65-F5344CB8AC3E}">
-        <p14:creationId xmlns:p14="http://schemas.microsoft.com/office/powerpoint/2010/main" val="270828811"/>
-      </p:ext>
-    </p:extLst>
-  </p:cSld>
-  <p:clrMapOvr>
-    <a:masterClrMapping/>
-  </p:clrMapOvr>
-</p:sld>
-</file>
-
 <file path=ppt/slides/slide8.xml><?xml version="1.0" encoding="utf-8"?>
 <p:sld xmlns:a="http://schemas.openxmlformats.org/drawingml/2006/main" xmlns:r="http://schemas.openxmlformats.org/officeDocument/2006/relationships" xmlns:p="http://schemas.openxmlformats.org/presentationml/2006/main">
   <p:cSld>
@@ -7140,19 +7540,19 @@
         </p:nvSpPr>
         <p:spPr>
           <a:xfrm>
-            <a:off x="838200" y="518160"/>
-            <a:ext cx="10515600" cy="562928"/>
+            <a:off x="749300" y="223520"/>
+            <a:ext cx="10515600" cy="806768"/>
           </a:xfrm>
         </p:spPr>
         <p:txBody>
           <a:bodyPr>
-            <a:normAutofit fontScale="90000"/>
+            <a:normAutofit/>
           </a:bodyPr>
           <a:lstStyle/>
           <a:p>
             <a:r>
-              <a:rPr lang="en-NZ" dirty="0"/>
-              <a:t>[Component name]: Testing </a:t>
+              <a:rPr lang="en-NZ" sz="4000" dirty="0"/>
+              <a:t>[Component name]: Trialling </a:t>
             </a:r>
           </a:p>
         </p:txBody>
@@ -7171,8 +7571,8 @@
         </p:nvSpPr>
         <p:spPr>
           <a:xfrm>
-            <a:off x="749300" y="1081088"/>
-            <a:ext cx="10693400" cy="646331"/>
+            <a:off x="660400" y="1030288"/>
+            <a:ext cx="10693400" cy="923330"/>
           </a:xfrm>
           <a:prstGeom prst="rect">
             <a:avLst/>
@@ -7187,15 +7587,30 @@
           <a:p>
             <a:r>
               <a:rPr lang="en-NZ" i="1" dirty="0"/>
-              <a:t>You must show the results of testing. For each component, include a screenshot proving it works.  You can also include notes about each test. </a:t>
-            </a:r>
+              <a:t>NOTE: Trialling needs to happen for </a:t>
+            </a:r>
+            <a:r>
+              <a:rPr lang="en-NZ" b="1" i="1" dirty="0"/>
+              <a:t>at least 2 </a:t>
+            </a:r>
+            <a:r>
+              <a:rPr lang="en-NZ" i="1" dirty="0"/>
+              <a:t>of your components but is not necessary for ALL components.</a:t>
+            </a:r>
+          </a:p>
+          <a:p>
+            <a:r>
+              <a:rPr lang="en" i="1" dirty="0"/>
+              <a:t>Trialling is not the same as testing. Trialling is about finding different ways of building the same component. Show evidence of  your trialling  here. Select one of your trials for further development and give reasons for your choice. </a:t>
+            </a:r>
+            <a:endParaRPr lang="en-NZ" dirty="0"/>
           </a:p>
         </p:txBody>
       </p:sp>
     </p:spTree>
     <p:extLst>
       <p:ext uri="{BB962C8B-B14F-4D97-AF65-F5344CB8AC3E}">
-        <p14:creationId xmlns:p14="http://schemas.microsoft.com/office/powerpoint/2010/main" val="89592267"/>
+        <p14:creationId xmlns:p14="http://schemas.microsoft.com/office/powerpoint/2010/main" val="270828811"/>
       </p:ext>
     </p:extLst>
   </p:cSld>
@@ -7227,7 +7642,7 @@
           <p:cNvPr id="2" name="Title 1">
             <a:extLst>
               <a:ext uri="{FF2B5EF4-FFF2-40B4-BE49-F238E27FC236}">
-                <a16:creationId xmlns:a16="http://schemas.microsoft.com/office/drawing/2014/main" id="{183CAE4A-E189-4CAA-B3F5-7E97BC5188E3}"/>
+                <a16:creationId xmlns:a16="http://schemas.microsoft.com/office/drawing/2014/main" id="{1CC5D32F-7C18-4D00-8D54-2FB046F0A206}"/>
               </a:ext>
             </a:extLst>
           </p:cNvPr>
@@ -7240,8 +7655,8 @@
         </p:nvSpPr>
         <p:spPr>
           <a:xfrm>
-            <a:off x="838199" y="406400"/>
-            <a:ext cx="10515600" cy="583248"/>
+            <a:off x="838200" y="518160"/>
+            <a:ext cx="10515600" cy="562928"/>
           </a:xfrm>
         </p:spPr>
         <p:txBody>
@@ -7251,32 +7666,33 @@
           <a:lstStyle/>
           <a:p>
             <a:r>
-              <a:rPr lang="en-NZ" sz="4000" dirty="0"/>
-              <a:t>Assembled Outcome Testing:</a:t>
-            </a:r>
-          </a:p>
-        </p:txBody>
-      </p:sp>
-      <p:sp>
-        <p:nvSpPr>
-          <p:cNvPr id="3" name="Rectangle 2">
-            <a:extLst>
-              <a:ext uri="{FF2B5EF4-FFF2-40B4-BE49-F238E27FC236}">
-                <a16:creationId xmlns:a16="http://schemas.microsoft.com/office/drawing/2014/main" id="{DB8F61FF-932E-477F-82DD-3F6BB93999C0}"/>
-              </a:ext>
-            </a:extLst>
-          </p:cNvPr>
-          <p:cNvSpPr/>
+              <a:rPr lang="en-NZ" dirty="0"/>
+              <a:t>[Component name]: Testing </a:t>
+            </a:r>
+          </a:p>
+        </p:txBody>
+      </p:sp>
+      <p:sp>
+        <p:nvSpPr>
+          <p:cNvPr id="4" name="TextBox 3">
+            <a:extLst>
+              <a:ext uri="{FF2B5EF4-FFF2-40B4-BE49-F238E27FC236}">
+                <a16:creationId xmlns:a16="http://schemas.microsoft.com/office/drawing/2014/main" id="{8CD07A82-A944-4A9B-9A52-515DAC30878A}"/>
+              </a:ext>
+            </a:extLst>
+          </p:cNvPr>
+          <p:cNvSpPr txBox="1"/>
           <p:nvPr/>
         </p:nvSpPr>
         <p:spPr>
           <a:xfrm>
-            <a:off x="838199" y="1089283"/>
-            <a:ext cx="8767813" cy="702372"/>
+            <a:off x="749300" y="1081088"/>
+            <a:ext cx="10693400" cy="646331"/>
           </a:xfrm>
           <a:prstGeom prst="rect">
             <a:avLst/>
           </a:prstGeom>
+          <a:noFill/>
         </p:spPr>
         <p:txBody>
           <a:bodyPr wrap="square">
@@ -7284,32 +7700,17 @@
           </a:bodyPr>
           <a:lstStyle/>
           <a:p>
-            <a:pPr>
-              <a:lnSpc>
-                <a:spcPct val="115000"/>
-              </a:lnSpc>
-              <a:spcAft>
-                <a:spcPts val="0"/>
-              </a:spcAft>
-            </a:pPr>
-            <a:r>
-              <a:rPr lang="en-NZ" i="1" dirty="0">
-                <a:latin typeface="Arial" panose="020B0604020202020204" pitchFamily="34" charset="0"/>
-                <a:ea typeface="Arial" panose="020B0604020202020204" pitchFamily="34" charset="0"/>
-              </a:rPr>
-              <a:t>Show testing for your assembled outcome below.  This should include a test plan followed by screenshot proof.  </a:t>
-            </a:r>
-            <a:endParaRPr lang="en-NZ" dirty="0">
-              <a:latin typeface="Arial" panose="020B0604020202020204" pitchFamily="34" charset="0"/>
-              <a:ea typeface="Arial" panose="020B0604020202020204" pitchFamily="34" charset="0"/>
-            </a:endParaRPr>
+            <a:r>
+              <a:rPr lang="en-NZ" i="1" dirty="0"/>
+              <a:t>You must show the results of testing. For each component, include a screenshot proving it works.  You can also include notes about each test. </a:t>
+            </a:r>
           </a:p>
         </p:txBody>
       </p:sp>
     </p:spTree>
     <p:extLst>
       <p:ext uri="{BB962C8B-B14F-4D97-AF65-F5344CB8AC3E}">
-        <p14:creationId xmlns:p14="http://schemas.microsoft.com/office/powerpoint/2010/main" val="1084233196"/>
+        <p14:creationId xmlns:p14="http://schemas.microsoft.com/office/powerpoint/2010/main" val="89592267"/>
       </p:ext>
     </p:extLst>
   </p:cSld>

--- a/Luckyunicorndocumentation.pptx
+++ b/Luckyunicorndocumentation.pptx
@@ -130,7 +130,8 @@
 <file path=ppt/revisionInfo.xml><?xml version="1.0" encoding="utf-8"?>
 <p1510:revInfo xmlns:a="http://schemas.openxmlformats.org/drawingml/2006/main" xmlns:r="http://schemas.openxmlformats.org/officeDocument/2006/relationships" xmlns:p1510="http://schemas.microsoft.com/office/powerpoint/2015/10/main">
   <p1510:revLst>
-    <p1510:client id="{DC3CA06C-0EFF-4AA7-8B69-07ED12357FD7}" v="7" dt="2023-03-26T03:47:06.460"/>
+    <p1510:client id="{D74081CF-FC2F-EA45-99CD-9562578BF659}" v="12" dt="2023-03-26T21:58:46.116"/>
+    <p1510:client id="{DC3CA06C-0EFF-4AA7-8B69-07ED12357FD7}" v="15" dt="2023-03-26T22:40:37.103"/>
   </p1510:revLst>
 </p1510:revInfo>
 </file>
@@ -140,7 +141,7 @@
   <pc:docChgLst>
     <pc:chgData name="Robson Butler" userId="5c8aff22-4002-407d-87b1-2badee7ce08b" providerId="ADAL" clId="{DC3CA06C-0EFF-4AA7-8B69-07ED12357FD7}"/>
     <pc:docChg chg="undo redo custSel addSld modSld">
-      <pc:chgData name="Robson Butler" userId="5c8aff22-4002-407d-87b1-2badee7ce08b" providerId="ADAL" clId="{DC3CA06C-0EFF-4AA7-8B69-07ED12357FD7}" dt="2023-03-26T04:04:47.182" v="496" actId="20577"/>
+      <pc:chgData name="Robson Butler" userId="5c8aff22-4002-407d-87b1-2badee7ce08b" providerId="ADAL" clId="{DC3CA06C-0EFF-4AA7-8B69-07ED12357FD7}" dt="2023-03-26T22:41:06.616" v="724" actId="313"/>
       <pc:docMkLst>
         <pc:docMk/>
       </pc:docMkLst>
@@ -191,7 +192,100 @@
         </pc:spChg>
       </pc:sldChg>
       <pc:sldChg chg="addSp delSp modSp mod">
-        <pc:chgData name="Robson Butler" userId="5c8aff22-4002-407d-87b1-2badee7ce08b" providerId="ADAL" clId="{DC3CA06C-0EFF-4AA7-8B69-07ED12357FD7}" dt="2023-03-26T03:46:34.264" v="349" actId="20577"/>
+        <pc:chgData name="Robson Butler" userId="5c8aff22-4002-407d-87b1-2badee7ce08b" providerId="ADAL" clId="{DC3CA06C-0EFF-4AA7-8B69-07ED12357FD7}" dt="2023-03-26T22:31:43.796" v="576" actId="255"/>
+        <pc:sldMkLst>
+          <pc:docMk/>
+          <pc:sldMk cId="3760331451" sldId="260"/>
+        </pc:sldMkLst>
+        <pc:spChg chg="mod">
+          <ac:chgData name="Robson Butler" userId="5c8aff22-4002-407d-87b1-2badee7ce08b" providerId="ADAL" clId="{DC3CA06C-0EFF-4AA7-8B69-07ED12357FD7}" dt="2023-03-26T22:31:43.796" v="576" actId="255"/>
+          <ac:spMkLst>
+            <pc:docMk/>
+            <pc:sldMk cId="3760331451" sldId="260"/>
+            <ac:spMk id="2" creationId="{321F8E66-F9B8-4062-8E8D-D5ADB11625DA}"/>
+          </ac:spMkLst>
+        </pc:spChg>
+        <pc:spChg chg="del mod">
+          <ac:chgData name="Robson Butler" userId="5c8aff22-4002-407d-87b1-2badee7ce08b" providerId="ADAL" clId="{DC3CA06C-0EFF-4AA7-8B69-07ED12357FD7}" dt="2023-03-26T22:31:30.764" v="573" actId="21"/>
+          <ac:spMkLst>
+            <pc:docMk/>
+            <pc:sldMk cId="3760331451" sldId="260"/>
+            <ac:spMk id="4" creationId="{937BF58F-E358-4625-919F-7C3D6EEBA8FB}"/>
+          </ac:spMkLst>
+        </pc:spChg>
+        <pc:picChg chg="add mod">
+          <ac:chgData name="Robson Butler" userId="5c8aff22-4002-407d-87b1-2badee7ce08b" providerId="ADAL" clId="{DC3CA06C-0EFF-4AA7-8B69-07ED12357FD7}" dt="2023-03-26T22:26:23.986" v="507" actId="1076"/>
+          <ac:picMkLst>
+            <pc:docMk/>
+            <pc:sldMk cId="3760331451" sldId="260"/>
+            <ac:picMk id="5" creationId="{1A7A5522-5975-962C-0E90-ADC49AB0A8BC}"/>
+          </ac:picMkLst>
+        </pc:picChg>
+        <pc:picChg chg="add mod">
+          <ac:chgData name="Robson Butler" userId="5c8aff22-4002-407d-87b1-2badee7ce08b" providerId="ADAL" clId="{DC3CA06C-0EFF-4AA7-8B69-07ED12357FD7}" dt="2023-03-26T22:26:16.463" v="505" actId="1076"/>
+          <ac:picMkLst>
+            <pc:docMk/>
+            <pc:sldMk cId="3760331451" sldId="260"/>
+            <ac:picMk id="7" creationId="{C6809B47-B9AD-518F-2C55-85DC03A39C22}"/>
+          </ac:picMkLst>
+        </pc:picChg>
+      </pc:sldChg>
+      <pc:sldChg chg="addSp modSp mod">
+        <pc:chgData name="Robson Butler" userId="5c8aff22-4002-407d-87b1-2badee7ce08b" providerId="ADAL" clId="{DC3CA06C-0EFF-4AA7-8B69-07ED12357FD7}" dt="2023-03-26T22:35:11.661" v="579" actId="962"/>
+        <pc:sldMkLst>
+          <pc:docMk/>
+          <pc:sldMk cId="0" sldId="268"/>
+        </pc:sldMkLst>
+        <pc:spChg chg="mod">
+          <ac:chgData name="Robson Butler" userId="5c8aff22-4002-407d-87b1-2badee7ce08b" providerId="ADAL" clId="{DC3CA06C-0EFF-4AA7-8B69-07ED12357FD7}" dt="2023-03-26T22:31:19.607" v="569" actId="20577"/>
+          <ac:spMkLst>
+            <pc:docMk/>
+            <pc:sldMk cId="0" sldId="268"/>
+            <ac:spMk id="86" creationId="{00000000-0000-0000-0000-000000000000}"/>
+          </ac:spMkLst>
+        </pc:spChg>
+        <pc:picChg chg="add mod">
+          <ac:chgData name="Robson Butler" userId="5c8aff22-4002-407d-87b1-2badee7ce08b" providerId="ADAL" clId="{DC3CA06C-0EFF-4AA7-8B69-07ED12357FD7}" dt="2023-03-26T22:35:11.661" v="579" actId="962"/>
+          <ac:picMkLst>
+            <pc:docMk/>
+            <pc:sldMk cId="0" sldId="268"/>
+            <ac:picMk id="3" creationId="{6F83498C-1572-5104-E64E-A3DFB96B7967}"/>
+          </ac:picMkLst>
+        </pc:picChg>
+      </pc:sldChg>
+      <pc:sldChg chg="delSp modSp mod">
+        <pc:chgData name="Robson Butler" userId="5c8aff22-4002-407d-87b1-2badee7ce08b" providerId="ADAL" clId="{DC3CA06C-0EFF-4AA7-8B69-07ED12357FD7}" dt="2023-03-26T22:41:06.616" v="724" actId="313"/>
+        <pc:sldMkLst>
+          <pc:docMk/>
+          <pc:sldMk cId="0" sldId="269"/>
+        </pc:sldMkLst>
+        <pc:spChg chg="del">
+          <ac:chgData name="Robson Butler" userId="5c8aff22-4002-407d-87b1-2badee7ce08b" providerId="ADAL" clId="{DC3CA06C-0EFF-4AA7-8B69-07ED12357FD7}" dt="2023-03-26T22:38:44.018" v="612" actId="21"/>
+          <ac:spMkLst>
+            <pc:docMk/>
+            <pc:sldMk cId="0" sldId="269"/>
+            <ac:spMk id="4" creationId="{518343B6-2201-4ACD-B907-770BC22E8B26}"/>
+          </ac:spMkLst>
+        </pc:spChg>
+        <pc:spChg chg="mod">
+          <ac:chgData name="Robson Butler" userId="5c8aff22-4002-407d-87b1-2badee7ce08b" providerId="ADAL" clId="{DC3CA06C-0EFF-4AA7-8B69-07ED12357FD7}" dt="2023-03-26T22:38:04.586" v="609" actId="20577"/>
+          <ac:spMkLst>
+            <pc:docMk/>
+            <pc:sldMk cId="0" sldId="269"/>
+            <ac:spMk id="91" creationId="{00000000-0000-0000-0000-000000000000}"/>
+          </ac:spMkLst>
+        </pc:spChg>
+        <pc:graphicFrameChg chg="mod modGraphic">
+          <ac:chgData name="Robson Butler" userId="5c8aff22-4002-407d-87b1-2badee7ce08b" providerId="ADAL" clId="{DC3CA06C-0EFF-4AA7-8B69-07ED12357FD7}" dt="2023-03-26T22:41:06.616" v="724" actId="313"/>
+          <ac:graphicFrameMkLst>
+            <pc:docMk/>
+            <pc:sldMk cId="0" sldId="269"/>
+            <ac:graphicFrameMk id="92" creationId="{00000000-0000-0000-0000-000000000000}"/>
+          </ac:graphicFrameMkLst>
+        </pc:graphicFrameChg>
+      </pc:sldChg>
+      <pc:sldChg chg="addSp delSp modSp mod">
+        <pc:chgData name="Robson Butler" userId="5c8aff22-4002-407d-87b1-2badee7ce08b" providerId="ADAL" clId="{DC3CA06C-0EFF-4AA7-8B69-07ED12357FD7}" dt="2023-03-26T22:38:24.859" v="610" actId="21"/>
         <pc:sldMkLst>
           <pc:docMk/>
           <pc:sldMk cId="975627948" sldId="272"/>
@@ -212,6 +306,14 @@
             <ac:spMk id="4" creationId="{1B2D90D5-7169-9930-11E9-33ADF6ABA892}"/>
           </ac:spMkLst>
         </pc:spChg>
+        <pc:spChg chg="del">
+          <ac:chgData name="Robson Butler" userId="5c8aff22-4002-407d-87b1-2badee7ce08b" providerId="ADAL" clId="{DC3CA06C-0EFF-4AA7-8B69-07ED12357FD7}" dt="2023-03-26T22:38:24.859" v="610" actId="21"/>
+          <ac:spMkLst>
+            <pc:docMk/>
+            <pc:sldMk cId="975627948" sldId="272"/>
+            <ac:spMk id="5" creationId="{ACAE53BB-FF7D-43E7-AF26-E5A3D9A837CF}"/>
+          </ac:spMkLst>
+        </pc:spChg>
         <pc:graphicFrameChg chg="mod modGraphic">
           <ac:chgData name="Robson Butler" userId="5c8aff22-4002-407d-87b1-2badee7ce08b" providerId="ADAL" clId="{DC3CA06C-0EFF-4AA7-8B69-07ED12357FD7}" dt="2023-03-26T03:46:34.264" v="349" actId="20577"/>
           <ac:graphicFrameMkLst>
@@ -221,8 +323,8 @@
           </ac:graphicFrameMkLst>
         </pc:graphicFrameChg>
       </pc:sldChg>
-      <pc:sldChg chg="modSp add mod">
-        <pc:chgData name="Robson Butler" userId="5c8aff22-4002-407d-87b1-2badee7ce08b" providerId="ADAL" clId="{DC3CA06C-0EFF-4AA7-8B69-07ED12357FD7}" dt="2023-03-26T04:04:47.182" v="496" actId="20577"/>
+      <pc:sldChg chg="delSp modSp add mod">
+        <pc:chgData name="Robson Butler" userId="5c8aff22-4002-407d-87b1-2badee7ce08b" providerId="ADAL" clId="{DC3CA06C-0EFF-4AA7-8B69-07ED12357FD7}" dt="2023-03-26T22:38:30.535" v="611" actId="21"/>
         <pc:sldMkLst>
           <pc:docMk/>
           <pc:sldMk cId="481397389" sldId="275"/>
@@ -235,8 +337,55 @@
             <ac:spMk id="2" creationId="{0D168B5A-EFF4-4803-8DA6-5994B306EBAF}"/>
           </ac:spMkLst>
         </pc:spChg>
+        <pc:spChg chg="del">
+          <ac:chgData name="Robson Butler" userId="5c8aff22-4002-407d-87b1-2badee7ce08b" providerId="ADAL" clId="{DC3CA06C-0EFF-4AA7-8B69-07ED12357FD7}" dt="2023-03-26T22:38:30.535" v="611" actId="21"/>
+          <ac:spMkLst>
+            <pc:docMk/>
+            <pc:sldMk cId="481397389" sldId="275"/>
+            <ac:spMk id="5" creationId="{ACAE53BB-FF7D-43E7-AF26-E5A3D9A837CF}"/>
+          </ac:spMkLst>
+        </pc:spChg>
         <pc:graphicFrameChg chg="mod modGraphic">
           <ac:chgData name="Robson Butler" userId="5c8aff22-4002-407d-87b1-2badee7ce08b" providerId="ADAL" clId="{DC3CA06C-0EFF-4AA7-8B69-07ED12357FD7}" dt="2023-03-26T04:04:47.182" v="496" actId="20577"/>
+          <ac:graphicFrameMkLst>
+            <pc:docMk/>
+            <pc:sldMk cId="481397389" sldId="275"/>
+            <ac:graphicFrameMk id="6" creationId="{A02ECB3F-5E1A-4602-8844-49609D54ADF8}"/>
+          </ac:graphicFrameMkLst>
+        </pc:graphicFrameChg>
+      </pc:sldChg>
+    </pc:docChg>
+  </pc:docChgLst>
+  <pc:docChgLst>
+    <pc:chgData name="Robson Butler" userId="S::butlerr2@middleton.school.nz::5c8aff22-4002-407d-87b1-2badee7ce08b" providerId="AD" clId="Web-{D74081CF-FC2F-EA45-99CD-9562578BF659}"/>
+    <pc:docChg chg="modSld">
+      <pc:chgData name="Robson Butler" userId="S::butlerr2@middleton.school.nz::5c8aff22-4002-407d-87b1-2badee7ce08b" providerId="AD" clId="Web-{D74081CF-FC2F-EA45-99CD-9562578BF659}" dt="2023-03-26T21:58:45.913" v="5"/>
+      <pc:docMkLst>
+        <pc:docMk/>
+      </pc:docMkLst>
+      <pc:sldChg chg="modSp">
+        <pc:chgData name="Robson Butler" userId="S::butlerr2@middleton.school.nz::5c8aff22-4002-407d-87b1-2badee7ce08b" providerId="AD" clId="Web-{D74081CF-FC2F-EA45-99CD-9562578BF659}" dt="2023-03-26T21:58:27.413" v="1"/>
+        <pc:sldMkLst>
+          <pc:docMk/>
+          <pc:sldMk cId="975627948" sldId="272"/>
+        </pc:sldMkLst>
+        <pc:graphicFrameChg chg="mod modGraphic">
+          <ac:chgData name="Robson Butler" userId="S::butlerr2@middleton.school.nz::5c8aff22-4002-407d-87b1-2badee7ce08b" providerId="AD" clId="Web-{D74081CF-FC2F-EA45-99CD-9562578BF659}" dt="2023-03-26T21:58:27.413" v="1"/>
+          <ac:graphicFrameMkLst>
+            <pc:docMk/>
+            <pc:sldMk cId="975627948" sldId="272"/>
+            <ac:graphicFrameMk id="6" creationId="{A02ECB3F-5E1A-4602-8844-49609D54ADF8}"/>
+          </ac:graphicFrameMkLst>
+        </pc:graphicFrameChg>
+      </pc:sldChg>
+      <pc:sldChg chg="modSp">
+        <pc:chgData name="Robson Butler" userId="S::butlerr2@middleton.school.nz::5c8aff22-4002-407d-87b1-2badee7ce08b" providerId="AD" clId="Web-{D74081CF-FC2F-EA45-99CD-9562578BF659}" dt="2023-03-26T21:58:45.913" v="5"/>
+        <pc:sldMkLst>
+          <pc:docMk/>
+          <pc:sldMk cId="481397389" sldId="275"/>
+        </pc:sldMkLst>
+        <pc:graphicFrameChg chg="mod modGraphic">
+          <ac:chgData name="Robson Butler" userId="S::butlerr2@middleton.school.nz::5c8aff22-4002-407d-87b1-2badee7ce08b" providerId="AD" clId="Web-{D74081CF-FC2F-EA45-99CD-9562578BF659}" dt="2023-03-26T21:58:45.913" v="5"/>
           <ac:graphicFrameMkLst>
             <pc:docMk/>
             <pc:sldMk cId="481397389" sldId="275"/>
@@ -331,7 +480,7 @@
           <a:p>
             <a:fld id="{F37D28C0-BEB6-42B0-A203-EEE1023219C4}" type="datetimeFigureOut">
               <a:rPr lang="en-NZ" smtClean="0"/>
-              <a:t>26/03/2023</a:t>
+              <a:t>27/03/2023</a:t>
             </a:fld>
             <a:endParaRPr lang="en-NZ"/>
           </a:p>
@@ -1819,7 +1968,7 @@
           <a:p>
             <a:fld id="{9C4A4F43-1C06-40E6-8F87-8B286982E50E}" type="datetimeFigureOut">
               <a:rPr lang="en-NZ" smtClean="0"/>
-              <a:t>26/03/2023</a:t>
+              <a:t>27/03/2023</a:t>
             </a:fld>
             <a:endParaRPr lang="en-NZ" dirty="0"/>
           </a:p>
@@ -2019,7 +2168,7 @@
           <a:p>
             <a:fld id="{9C4A4F43-1C06-40E6-8F87-8B286982E50E}" type="datetimeFigureOut">
               <a:rPr lang="en-NZ" smtClean="0"/>
-              <a:t>26/03/2023</a:t>
+              <a:t>27/03/2023</a:t>
             </a:fld>
             <a:endParaRPr lang="en-NZ" dirty="0"/>
           </a:p>
@@ -2229,7 +2378,7 @@
           <a:p>
             <a:fld id="{9C4A4F43-1C06-40E6-8F87-8B286982E50E}" type="datetimeFigureOut">
               <a:rPr lang="en-NZ" smtClean="0"/>
-              <a:t>26/03/2023</a:t>
+              <a:t>27/03/2023</a:t>
             </a:fld>
             <a:endParaRPr lang="en-NZ" dirty="0"/>
           </a:p>
@@ -2788,7 +2937,7 @@
           <a:p>
             <a:fld id="{9C4A4F43-1C06-40E6-8F87-8B286982E50E}" type="datetimeFigureOut">
               <a:rPr lang="en-NZ" smtClean="0"/>
-              <a:t>26/03/2023</a:t>
+              <a:t>27/03/2023</a:t>
             </a:fld>
             <a:endParaRPr lang="en-NZ" dirty="0"/>
           </a:p>
@@ -3064,7 +3213,7 @@
           <a:p>
             <a:fld id="{9C4A4F43-1C06-40E6-8F87-8B286982E50E}" type="datetimeFigureOut">
               <a:rPr lang="en-NZ" smtClean="0"/>
-              <a:t>26/03/2023</a:t>
+              <a:t>27/03/2023</a:t>
             </a:fld>
             <a:endParaRPr lang="en-NZ" dirty="0"/>
           </a:p>
@@ -3332,7 +3481,7 @@
           <a:p>
             <a:fld id="{9C4A4F43-1C06-40E6-8F87-8B286982E50E}" type="datetimeFigureOut">
               <a:rPr lang="en-NZ" smtClean="0"/>
-              <a:t>26/03/2023</a:t>
+              <a:t>27/03/2023</a:t>
             </a:fld>
             <a:endParaRPr lang="en-NZ" dirty="0"/>
           </a:p>
@@ -3747,7 +3896,7 @@
           <a:p>
             <a:fld id="{9C4A4F43-1C06-40E6-8F87-8B286982E50E}" type="datetimeFigureOut">
               <a:rPr lang="en-NZ" smtClean="0"/>
-              <a:t>26/03/2023</a:t>
+              <a:t>27/03/2023</a:t>
             </a:fld>
             <a:endParaRPr lang="en-NZ" dirty="0"/>
           </a:p>
@@ -3889,7 +4038,7 @@
           <a:p>
             <a:fld id="{9C4A4F43-1C06-40E6-8F87-8B286982E50E}" type="datetimeFigureOut">
               <a:rPr lang="en-NZ" smtClean="0"/>
-              <a:t>26/03/2023</a:t>
+              <a:t>27/03/2023</a:t>
             </a:fld>
             <a:endParaRPr lang="en-NZ" dirty="0"/>
           </a:p>
@@ -4002,7 +4151,7 @@
           <a:p>
             <a:fld id="{9C4A4F43-1C06-40E6-8F87-8B286982E50E}" type="datetimeFigureOut">
               <a:rPr lang="en-NZ" smtClean="0"/>
-              <a:t>26/03/2023</a:t>
+              <a:t>27/03/2023</a:t>
             </a:fld>
             <a:endParaRPr lang="en-NZ" dirty="0"/>
           </a:p>
@@ -4315,7 +4464,7 @@
           <a:p>
             <a:fld id="{9C4A4F43-1C06-40E6-8F87-8B286982E50E}" type="datetimeFigureOut">
               <a:rPr lang="en-NZ" smtClean="0"/>
-              <a:t>26/03/2023</a:t>
+              <a:t>27/03/2023</a:t>
             </a:fld>
             <a:endParaRPr lang="en-NZ" dirty="0"/>
           </a:p>
@@ -4604,7 +4753,7 @@
           <a:p>
             <a:fld id="{9C4A4F43-1C06-40E6-8F87-8B286982E50E}" type="datetimeFigureOut">
               <a:rPr lang="en-NZ" smtClean="0"/>
-              <a:t>26/03/2023</a:t>
+              <a:t>27/03/2023</a:t>
             </a:fld>
             <a:endParaRPr lang="en-NZ" dirty="0"/>
           </a:p>
@@ -4847,7 +4996,7 @@
           <a:p>
             <a:fld id="{9C4A4F43-1C06-40E6-8F87-8B286982E50E}" type="datetimeFigureOut">
               <a:rPr lang="en-NZ" smtClean="0"/>
-              <a:t>26/03/2023</a:t>
+              <a:t>27/03/2023</a:t>
             </a:fld>
             <a:endParaRPr lang="en-NZ" dirty="0"/>
           </a:p>
@@ -6547,57 +6696,6 @@
           </a:p>
         </p:txBody>
       </p:sp>
-      <p:sp>
-        <p:nvSpPr>
-          <p:cNvPr id="5" name="Rectangle 4">
-            <a:extLst>
-              <a:ext uri="{FF2B5EF4-FFF2-40B4-BE49-F238E27FC236}">
-                <a16:creationId xmlns:a16="http://schemas.microsoft.com/office/drawing/2014/main" id="{ACAE53BB-FF7D-43E7-AF26-E5A3D9A837CF}"/>
-              </a:ext>
-            </a:extLst>
-          </p:cNvPr>
-          <p:cNvSpPr/>
-          <p:nvPr/>
-        </p:nvSpPr>
-        <p:spPr>
-          <a:xfrm>
-            <a:off x="726440" y="1028343"/>
-            <a:ext cx="9999846" cy="369332"/>
-          </a:xfrm>
-          <a:prstGeom prst="rect">
-            <a:avLst/>
-          </a:prstGeom>
-        </p:spPr>
-        <p:txBody>
-          <a:bodyPr wrap="square">
-            <a:spAutoFit/>
-          </a:bodyPr>
-          <a:lstStyle/>
-          <a:p>
-            <a:pPr marL="0" marR="0" lvl="0" indent="0" algn="l" defTabSz="914400" rtl="0" eaLnBrk="1" fontAlgn="auto" latinLnBrk="0" hangingPunct="1">
-              <a:lnSpc>
-                <a:spcPct val="100000"/>
-              </a:lnSpc>
-              <a:spcBef>
-                <a:spcPts val="0"/>
-              </a:spcBef>
-              <a:spcAft>
-                <a:spcPts val="0"/>
-              </a:spcAft>
-              <a:buClrTx/>
-              <a:buSzTx/>
-              <a:buFontTx/>
-              <a:buNone/>
-              <a:tabLst/>
-              <a:defRPr/>
-            </a:pPr>
-            <a:r>
-              <a:rPr lang="en-NZ" i="1" dirty="0"/>
-              <a:t>Additional rows can be added by clicking in the last cell and then using the Tab key </a:t>
-            </a:r>
-          </a:p>
-        </p:txBody>
-      </p:sp>
       <p:graphicFrame>
         <p:nvGraphicFramePr>
           <p:cNvPr id="6" name="Table 4">
@@ -6613,7 +6711,7 @@
           <p:nvPr>
             <p:extLst>
               <p:ext uri="{D42A27DB-BD31-4B8C-83A1-F6EECF244321}">
-                <p14:modId xmlns:p14="http://schemas.microsoft.com/office/powerpoint/2010/main" val="1483082976"/>
+                <p14:modId xmlns:p14="http://schemas.microsoft.com/office/powerpoint/2010/main" val="3605491956"/>
               </p:ext>
             </p:extLst>
           </p:nvPr>
@@ -6766,7 +6864,7 @@
                     <a:p>
                       <a:r>
                         <a:rPr lang="en-US" dirty="0"/>
-                        <a:t>Aesthetics is how the program’s overall appearance looks. A program which looks good because it includes well spaced instructions, prompts and ‘decoration’ around key messages is going to be more aesthetically pleasing than one which is composed of unspaced plain text.</a:t>
+                        <a:t>Aesthetics is how the program’s overall appearance looks. A program which looks good because it includes well-spaced instructions, prompts and ‘decoration’ around key messages is going to be more aesthetically pleasing than one which is composed of unspaced plain text.</a:t>
                       </a:r>
                       <a:endParaRPr lang="en-NZ" dirty="0"/>
                     </a:p>
@@ -6856,57 +6954,6 @@
           </a:p>
         </p:txBody>
       </p:sp>
-      <p:sp>
-        <p:nvSpPr>
-          <p:cNvPr id="5" name="Rectangle 4">
-            <a:extLst>
-              <a:ext uri="{FF2B5EF4-FFF2-40B4-BE49-F238E27FC236}">
-                <a16:creationId xmlns:a16="http://schemas.microsoft.com/office/drawing/2014/main" id="{ACAE53BB-FF7D-43E7-AF26-E5A3D9A837CF}"/>
-              </a:ext>
-            </a:extLst>
-          </p:cNvPr>
-          <p:cNvSpPr/>
-          <p:nvPr/>
-        </p:nvSpPr>
-        <p:spPr>
-          <a:xfrm>
-            <a:off x="726440" y="1028343"/>
-            <a:ext cx="9999846" cy="369332"/>
-          </a:xfrm>
-          <a:prstGeom prst="rect">
-            <a:avLst/>
-          </a:prstGeom>
-        </p:spPr>
-        <p:txBody>
-          <a:bodyPr wrap="square">
-            <a:spAutoFit/>
-          </a:bodyPr>
-          <a:lstStyle/>
-          <a:p>
-            <a:pPr marL="0" marR="0" lvl="0" indent="0" algn="l" defTabSz="914400" rtl="0" eaLnBrk="1" fontAlgn="auto" latinLnBrk="0" hangingPunct="1">
-              <a:lnSpc>
-                <a:spcPct val="100000"/>
-              </a:lnSpc>
-              <a:spcBef>
-                <a:spcPts val="0"/>
-              </a:spcBef>
-              <a:spcAft>
-                <a:spcPts val="0"/>
-              </a:spcAft>
-              <a:buClrTx/>
-              <a:buSzTx/>
-              <a:buFontTx/>
-              <a:buNone/>
-              <a:tabLst/>
-              <a:defRPr/>
-            </a:pPr>
-            <a:r>
-              <a:rPr lang="en-NZ" i="1" dirty="0"/>
-              <a:t>Additional rows can be added by clicking in the last cell and then using the Tab key </a:t>
-            </a:r>
-          </a:p>
-        </p:txBody>
-      </p:sp>
       <p:graphicFrame>
         <p:nvGraphicFramePr>
           <p:cNvPr id="6" name="Table 4">
@@ -6922,7 +6969,7 @@
           <p:nvPr>
             <p:extLst>
               <p:ext uri="{D42A27DB-BD31-4B8C-83A1-F6EECF244321}">
-                <p14:modId xmlns:p14="http://schemas.microsoft.com/office/powerpoint/2010/main" val="1566226079"/>
+                <p14:modId xmlns:p14="http://schemas.microsoft.com/office/powerpoint/2010/main" val="1828182779"/>
               </p:ext>
             </p:extLst>
           </p:nvPr>
@@ -7007,15 +7054,7 @@
                     <a:p>
                       <a:r>
                         <a:rPr lang="en-US" dirty="0"/>
-                        <a:t>The social implications of a computer program are about the affect it might have on users, the wider community, and society. For example, computer programs which are based around a gambling game can have a negative impact on society if there are no safeguards in place to limit users from excessive losses. Its also important to </a:t>
-                      </a:r>
-                      <a:r>
-                        <a:rPr lang="en-US"/>
-                        <a:t>use clear </a:t>
-                      </a:r>
-                      <a:r>
-                        <a:rPr lang="en-US" dirty="0"/>
-                        <a:t>instructions and feedback which is culturally neutral and inoffensive. </a:t>
+                        <a:t>The social implications of a computer program are about the affect it might have on users, the wider community, and society. For example, computer programs which are based around a gambling game can have a negative impact on society if there are no safeguards in place to limit users from excessive losses. It's also important to use clear instructions and feedback which is culturally neutral and inoffensive. </a:t>
                       </a:r>
                       <a:endParaRPr lang="en-NZ" dirty="0"/>
                     </a:p>
@@ -7049,7 +7088,7 @@
                     <a:p>
                       <a:r>
                         <a:rPr lang="en-US" dirty="0"/>
-                        <a:t>Future proofing is the process of making a program which is adaptable and easy to modify later if necessary. The code needs to be organized and commented so that another programmer in the future can make changes easily. Anyone who wants to modify my code in the future needs to understand the purpose and reasoning behind different parts of the code. Its important to use constants rather than literals to minimize the number of places where changes must be made.</a:t>
+                        <a:t>Future proofing is the process of making a program which is adaptable and easy to modify later if necessary. The code needs to be organized and commented so that another programmer in the future can make changes easily. Anyone who wants to modify my code in the future needs to understand the purpose and reasoning behind different parts of the code. It's important to use constants rather than literals to minimize the number of places where changes must be made.</a:t>
                       </a:r>
                       <a:endParaRPr lang="en-NZ" dirty="0"/>
                     </a:p>
@@ -7115,68 +7154,94 @@
         <p:spPr>
           <a:xfrm>
             <a:off x="838200" y="365125"/>
-            <a:ext cx="10515600" cy="600075"/>
+            <a:ext cx="10515600" cy="1039132"/>
           </a:xfrm>
         </p:spPr>
         <p:txBody>
           <a:bodyPr>
-            <a:normAutofit fontScale="90000"/>
+            <a:normAutofit/>
           </a:bodyPr>
           <a:lstStyle/>
           <a:p>
             <a:r>
-              <a:rPr lang="en-NZ" sz="4000" dirty="0"/>
+              <a:rPr lang="en-NZ" dirty="0"/>
               <a:t>Decomposition:</a:t>
             </a:r>
           </a:p>
         </p:txBody>
       </p:sp>
-      <p:sp>
-        <p:nvSpPr>
-          <p:cNvPr id="4" name="Rectangle 3">
+      <p:pic>
+        <p:nvPicPr>
+          <p:cNvPr id="5" name="Picture 4" descr="Graphical user interface, application&#10;&#10;Description automatically generated">
             <a:extLst>
               <a:ext uri="{FF2B5EF4-FFF2-40B4-BE49-F238E27FC236}">
-                <a16:creationId xmlns:a16="http://schemas.microsoft.com/office/drawing/2014/main" id="{937BF58F-E358-4625-919F-7C3D6EEBA8FB}"/>
+                <a16:creationId xmlns:a16="http://schemas.microsoft.com/office/drawing/2014/main" id="{1A7A5522-5975-962C-0E90-ADC49AB0A8BC}"/>
               </a:ext>
             </a:extLst>
           </p:cNvPr>
-          <p:cNvSpPr/>
+          <p:cNvPicPr>
+            <a:picLocks noChangeAspect="1"/>
+          </p:cNvPicPr>
           <p:nvPr/>
-        </p:nvSpPr>
+        </p:nvPicPr>
+        <p:blipFill>
+          <a:blip r:embed="rId3">
+            <a:extLst>
+              <a:ext uri="{28A0092B-C50C-407E-A947-70E740481C1C}">
+                <a14:useLocalDpi xmlns:a14="http://schemas.microsoft.com/office/drawing/2010/main" val="0"/>
+              </a:ext>
+            </a:extLst>
+          </a:blip>
+          <a:stretch>
+            <a:fillRect/>
+          </a:stretch>
+        </p:blipFill>
         <p:spPr>
           <a:xfrm>
-            <a:off x="838200" y="965200"/>
-            <a:ext cx="9999846" cy="708912"/>
+            <a:off x="478215" y="1904795"/>
+            <a:ext cx="7275165" cy="4306130"/>
           </a:xfrm>
           <a:prstGeom prst="rect">
             <a:avLst/>
           </a:prstGeom>
         </p:spPr>
-        <p:txBody>
-          <a:bodyPr wrap="square">
-            <a:spAutoFit/>
-          </a:bodyPr>
-          <a:lstStyle/>
-          <a:p>
-            <a:pPr>
-              <a:lnSpc>
-                <a:spcPct val="115000"/>
-              </a:lnSpc>
-            </a:pPr>
-            <a:r>
-              <a:rPr lang="en-NZ" i="1" dirty="0"/>
-              <a:t>Paste screenshots of your initial Trello board / task decomposition on this slide.  If you have a long list, you might need to break it up into several slides. </a:t>
-            </a:r>
-            <a:r>
-              <a:rPr lang="en-NZ" dirty="0">
-                <a:latin typeface="Arial" panose="020B0604020202020204" pitchFamily="34" charset="0"/>
-                <a:ea typeface="Arial" panose="020B0604020202020204" pitchFamily="34" charset="0"/>
-              </a:rPr>
-              <a:t> </a:t>
-            </a:r>
-          </a:p>
-        </p:txBody>
-      </p:sp>
+      </p:pic>
+      <p:pic>
+        <p:nvPicPr>
+          <p:cNvPr id="7" name="Picture 6" descr="Graphical user interface, text, application, chat or text message&#10;&#10;Description automatically generated">
+            <a:extLst>
+              <a:ext uri="{FF2B5EF4-FFF2-40B4-BE49-F238E27FC236}">
+                <a16:creationId xmlns:a16="http://schemas.microsoft.com/office/drawing/2014/main" id="{C6809B47-B9AD-518F-2C55-85DC03A39C22}"/>
+              </a:ext>
+            </a:extLst>
+          </p:cNvPr>
+          <p:cNvPicPr>
+            <a:picLocks noChangeAspect="1"/>
+          </p:cNvPicPr>
+          <p:nvPr/>
+        </p:nvPicPr>
+        <p:blipFill>
+          <a:blip r:embed="rId4">
+            <a:extLst>
+              <a:ext uri="{28A0092B-C50C-407E-A947-70E740481C1C}">
+                <a14:useLocalDpi xmlns:a14="http://schemas.microsoft.com/office/drawing/2010/main" val="0"/>
+              </a:ext>
+            </a:extLst>
+          </a:blip>
+          <a:stretch>
+            <a:fillRect/>
+          </a:stretch>
+        </p:blipFill>
+        <p:spPr>
+          <a:xfrm>
+            <a:off x="7551616" y="1674112"/>
+            <a:ext cx="3872661" cy="4536813"/>
+          </a:xfrm>
+          <a:prstGeom prst="rect">
+            <a:avLst/>
+          </a:prstGeom>
+        </p:spPr>
+      </p:pic>
     </p:spTree>
     <p:extLst>
       <p:ext uri="{BB962C8B-B14F-4D97-AF65-F5344CB8AC3E}">
@@ -7234,12 +7299,48 @@
           <a:p>
             <a:r>
               <a:rPr lang="en" sz="4000" dirty="0"/>
-              <a:t>[Component name] (Trello screenshot)</a:t>
+              <a:t>Component 1: Instructions and Yes/No checker</a:t>
             </a:r>
             <a:endParaRPr sz="4000" dirty="0"/>
           </a:p>
         </p:txBody>
       </p:sp>
+      <p:pic>
+        <p:nvPicPr>
+          <p:cNvPr id="3" name="Picture 2" descr="Graphical user interface, application&#10;&#10;Description automatically generated">
+            <a:extLst>
+              <a:ext uri="{FF2B5EF4-FFF2-40B4-BE49-F238E27FC236}">
+                <a16:creationId xmlns:a16="http://schemas.microsoft.com/office/drawing/2014/main" id="{6F83498C-1572-5104-E64E-A3DFB96B7967}"/>
+              </a:ext>
+            </a:extLst>
+          </p:cNvPr>
+          <p:cNvPicPr>
+            <a:picLocks noChangeAspect="1"/>
+          </p:cNvPicPr>
+          <p:nvPr/>
+        </p:nvPicPr>
+        <p:blipFill>
+          <a:blip r:embed="rId3">
+            <a:extLst>
+              <a:ext uri="{28A0092B-C50C-407E-A947-70E740481C1C}">
+                <a14:useLocalDpi xmlns:a14="http://schemas.microsoft.com/office/drawing/2010/main" val="0"/>
+              </a:ext>
+            </a:extLst>
+          </a:blip>
+          <a:stretch>
+            <a:fillRect/>
+          </a:stretch>
+        </p:blipFill>
+        <p:spPr>
+          <a:xfrm>
+            <a:off x="3489325" y="1517650"/>
+            <a:ext cx="5213350" cy="3822700"/>
+          </a:xfrm>
+          <a:prstGeom prst="rect">
+            <a:avLst/>
+          </a:prstGeom>
+        </p:spPr>
+      </p:pic>
     </p:spTree>
   </p:cSld>
   <p:clrMapOvr>
@@ -7292,7 +7393,7 @@
           <a:p>
             <a:r>
               <a:rPr lang="en" sz="4000" dirty="0"/>
-              <a:t>[Component name] - Test Plan</a:t>
+              <a:t>Component 1 (Yes/No Checker) - Test Plan</a:t>
             </a:r>
             <a:endParaRPr sz="4000" dirty="0"/>
           </a:p>
@@ -7305,14 +7406,14 @@
           <p:nvPr>
             <p:extLst>
               <p:ext uri="{D42A27DB-BD31-4B8C-83A1-F6EECF244321}">
-                <p14:modId xmlns:p14="http://schemas.microsoft.com/office/powerpoint/2010/main" val="2698883836"/>
+                <p14:modId xmlns:p14="http://schemas.microsoft.com/office/powerpoint/2010/main" val="1625761263"/>
               </p:ext>
             </p:extLst>
           </p:nvPr>
         </p:nvGraphicFramePr>
         <p:xfrm>
-          <a:off x="509967" y="1690300"/>
-          <a:ext cx="11360800" cy="1219120"/>
+          <a:off x="491800" y="1276642"/>
+          <a:ext cx="11360800" cy="4876480"/>
         </p:xfrm>
         <a:graphic>
           <a:graphicData uri="http://schemas.openxmlformats.org/drawingml/2006/table">
@@ -7412,7 +7513,10 @@
                         </a:spcAft>
                         <a:buNone/>
                       </a:pPr>
-                      <a:endParaRPr sz="2400" dirty="0"/>
+                      <a:r>
+                        <a:rPr lang="en-US" sz="2400" dirty="0"/>
+                        <a:t>Yes</a:t>
+                      </a:r>
                     </a:p>
                   </a:txBody>
                   <a:tcPr marL="121900" marR="121900" marT="121900" marB="121900"/>
@@ -7431,6 +7535,10 @@
                         </a:spcAft>
                         <a:buNone/>
                       </a:pPr>
+                      <a:r>
+                        <a:rPr lang="en-US" sz="2400" dirty="0"/>
+                        <a:t>Program continues</a:t>
+                      </a:r>
                       <a:endParaRPr sz="2400" dirty="0"/>
                     </a:p>
                   </a:txBody>
@@ -7442,61 +7550,361 @@
                   </a:ext>
                 </a:extLst>
               </a:tr>
+              <a:tr h="609560">
+                <a:tc>
+                  <a:txBody>
+                    <a:bodyPr/>
+                    <a:lstStyle/>
+                    <a:p>
+                      <a:pPr marL="0" lvl="0" indent="0" algn="l" rtl="0">
+                        <a:spcBef>
+                          <a:spcPts val="0"/>
+                        </a:spcBef>
+                        <a:spcAft>
+                          <a:spcPts val="0"/>
+                        </a:spcAft>
+                        <a:buNone/>
+                      </a:pPr>
+                      <a:r>
+                        <a:rPr lang="en-US" sz="2400" dirty="0"/>
+                        <a:t>yes</a:t>
+                      </a:r>
+                    </a:p>
+                  </a:txBody>
+                  <a:tcPr marL="121900" marR="121900" marT="121900" marB="121900"/>
+                </a:tc>
+                <a:tc>
+                  <a:txBody>
+                    <a:bodyPr/>
+                    <a:lstStyle/>
+                    <a:p>
+                      <a:pPr marL="0" marR="0" lvl="0" indent="0" algn="l" defTabSz="914400" rtl="0" eaLnBrk="1" fontAlgn="auto" latinLnBrk="0" hangingPunct="1">
+                        <a:lnSpc>
+                          <a:spcPct val="100000"/>
+                        </a:lnSpc>
+                        <a:spcBef>
+                          <a:spcPts val="0"/>
+                        </a:spcBef>
+                        <a:spcAft>
+                          <a:spcPts val="0"/>
+                        </a:spcAft>
+                        <a:buClrTx/>
+                        <a:buSzTx/>
+                        <a:buFontTx/>
+                        <a:buNone/>
+                        <a:tabLst/>
+                        <a:defRPr/>
+                      </a:pPr>
+                      <a:r>
+                        <a:rPr lang="en-US" sz="2400" dirty="0"/>
+                        <a:t>Program continues</a:t>
+                      </a:r>
+                    </a:p>
+                  </a:txBody>
+                  <a:tcPr marL="121900" marR="121900" marT="121900" marB="121900"/>
+                </a:tc>
+                <a:extLst>
+                  <a:ext uri="{0D108BD9-81ED-4DB2-BD59-A6C34878D82A}">
+                    <a16:rowId xmlns:a16="http://schemas.microsoft.com/office/drawing/2014/main" val="3342624310"/>
+                  </a:ext>
+                </a:extLst>
+              </a:tr>
+              <a:tr h="609560">
+                <a:tc>
+                  <a:txBody>
+                    <a:bodyPr/>
+                    <a:lstStyle/>
+                    <a:p>
+                      <a:pPr marL="0" lvl="0" indent="0" algn="l" rtl="0">
+                        <a:spcBef>
+                          <a:spcPts val="0"/>
+                        </a:spcBef>
+                        <a:spcAft>
+                          <a:spcPts val="0"/>
+                        </a:spcAft>
+                        <a:buNone/>
+                      </a:pPr>
+                      <a:r>
+                        <a:rPr lang="en-US" sz="2400" dirty="0"/>
+                        <a:t>Y</a:t>
+                      </a:r>
+                    </a:p>
+                  </a:txBody>
+                  <a:tcPr marL="121900" marR="121900" marT="121900" marB="121900"/>
+                </a:tc>
+                <a:tc>
+                  <a:txBody>
+                    <a:bodyPr/>
+                    <a:lstStyle/>
+                    <a:p>
+                      <a:pPr marL="0" marR="0" lvl="0" indent="0" algn="l" defTabSz="914400" rtl="0" eaLnBrk="1" fontAlgn="auto" latinLnBrk="0" hangingPunct="1">
+                        <a:lnSpc>
+                          <a:spcPct val="100000"/>
+                        </a:lnSpc>
+                        <a:spcBef>
+                          <a:spcPts val="0"/>
+                        </a:spcBef>
+                        <a:spcAft>
+                          <a:spcPts val="0"/>
+                        </a:spcAft>
+                        <a:buClrTx/>
+                        <a:buSzTx/>
+                        <a:buFontTx/>
+                        <a:buNone/>
+                        <a:tabLst/>
+                        <a:defRPr/>
+                      </a:pPr>
+                      <a:r>
+                        <a:rPr lang="en-US" sz="2400" dirty="0"/>
+                        <a:t>Program continues</a:t>
+                      </a:r>
+                    </a:p>
+                  </a:txBody>
+                  <a:tcPr marL="121900" marR="121900" marT="121900" marB="121900"/>
+                </a:tc>
+                <a:extLst>
+                  <a:ext uri="{0D108BD9-81ED-4DB2-BD59-A6C34878D82A}">
+                    <a16:rowId xmlns:a16="http://schemas.microsoft.com/office/drawing/2014/main" val="4047963883"/>
+                  </a:ext>
+                </a:extLst>
+              </a:tr>
+              <a:tr h="609560">
+                <a:tc>
+                  <a:txBody>
+                    <a:bodyPr/>
+                    <a:lstStyle/>
+                    <a:p>
+                      <a:pPr marL="0" lvl="0" indent="0" algn="l" rtl="0">
+                        <a:spcBef>
+                          <a:spcPts val="0"/>
+                        </a:spcBef>
+                        <a:spcAft>
+                          <a:spcPts val="0"/>
+                        </a:spcAft>
+                        <a:buNone/>
+                      </a:pPr>
+                      <a:r>
+                        <a:rPr lang="en-US" sz="2400" dirty="0"/>
+                        <a:t>No</a:t>
+                      </a:r>
+                    </a:p>
+                  </a:txBody>
+                  <a:tcPr marL="121900" marR="121900" marT="121900" marB="121900"/>
+                </a:tc>
+                <a:tc>
+                  <a:txBody>
+                    <a:bodyPr/>
+                    <a:lstStyle/>
+                    <a:p>
+                      <a:pPr marL="0" marR="0" lvl="0" indent="0" algn="l" defTabSz="914400" rtl="0" eaLnBrk="1" fontAlgn="auto" latinLnBrk="0" hangingPunct="1">
+                        <a:lnSpc>
+                          <a:spcPct val="100000"/>
+                        </a:lnSpc>
+                        <a:spcBef>
+                          <a:spcPts val="0"/>
+                        </a:spcBef>
+                        <a:spcAft>
+                          <a:spcPts val="0"/>
+                        </a:spcAft>
+                        <a:buClrTx/>
+                        <a:buSzTx/>
+                        <a:buFontTx/>
+                        <a:buNone/>
+                        <a:tabLst/>
+                        <a:defRPr/>
+                      </a:pPr>
+                      <a:r>
+                        <a:rPr lang="en-US" sz="2400" dirty="0"/>
+                        <a:t>Program continues</a:t>
+                      </a:r>
+                    </a:p>
+                  </a:txBody>
+                  <a:tcPr marL="121900" marR="121900" marT="121900" marB="121900"/>
+                </a:tc>
+                <a:extLst>
+                  <a:ext uri="{0D108BD9-81ED-4DB2-BD59-A6C34878D82A}">
+                    <a16:rowId xmlns:a16="http://schemas.microsoft.com/office/drawing/2014/main" val="1085011548"/>
+                  </a:ext>
+                </a:extLst>
+              </a:tr>
+              <a:tr h="609560">
+                <a:tc>
+                  <a:txBody>
+                    <a:bodyPr/>
+                    <a:lstStyle/>
+                    <a:p>
+                      <a:pPr marL="0" lvl="0" indent="0" algn="l" rtl="0">
+                        <a:spcBef>
+                          <a:spcPts val="0"/>
+                        </a:spcBef>
+                        <a:spcAft>
+                          <a:spcPts val="0"/>
+                        </a:spcAft>
+                        <a:buNone/>
+                      </a:pPr>
+                      <a:r>
+                        <a:rPr lang="en-US" sz="2400" dirty="0"/>
+                        <a:t>no</a:t>
+                      </a:r>
+                    </a:p>
+                  </a:txBody>
+                  <a:tcPr marL="121900" marR="121900" marT="121900" marB="121900"/>
+                </a:tc>
+                <a:tc>
+                  <a:txBody>
+                    <a:bodyPr/>
+                    <a:lstStyle/>
+                    <a:p>
+                      <a:pPr marL="0" marR="0" lvl="0" indent="0" algn="l" defTabSz="914400" rtl="0" eaLnBrk="1" fontAlgn="auto" latinLnBrk="0" hangingPunct="1">
+                        <a:lnSpc>
+                          <a:spcPct val="100000"/>
+                        </a:lnSpc>
+                        <a:spcBef>
+                          <a:spcPts val="0"/>
+                        </a:spcBef>
+                        <a:spcAft>
+                          <a:spcPts val="0"/>
+                        </a:spcAft>
+                        <a:buClrTx/>
+                        <a:buSzTx/>
+                        <a:buFontTx/>
+                        <a:buNone/>
+                        <a:tabLst/>
+                        <a:defRPr/>
+                      </a:pPr>
+                      <a:r>
+                        <a:rPr lang="en-US" sz="2400" dirty="0"/>
+                        <a:t>Program continues</a:t>
+                      </a:r>
+                    </a:p>
+                  </a:txBody>
+                  <a:tcPr marL="121900" marR="121900" marT="121900" marB="121900"/>
+                </a:tc>
+                <a:extLst>
+                  <a:ext uri="{0D108BD9-81ED-4DB2-BD59-A6C34878D82A}">
+                    <a16:rowId xmlns:a16="http://schemas.microsoft.com/office/drawing/2014/main" val="1981479960"/>
+                  </a:ext>
+                </a:extLst>
+              </a:tr>
+              <a:tr h="609560">
+                <a:tc>
+                  <a:txBody>
+                    <a:bodyPr/>
+                    <a:lstStyle/>
+                    <a:p>
+                      <a:pPr marL="0" lvl="0" indent="0" algn="l" rtl="0">
+                        <a:spcBef>
+                          <a:spcPts val="0"/>
+                        </a:spcBef>
+                        <a:spcAft>
+                          <a:spcPts val="0"/>
+                        </a:spcAft>
+                        <a:buNone/>
+                      </a:pPr>
+                      <a:r>
+                        <a:rPr lang="en-US" sz="2400" dirty="0"/>
+                        <a:t>N</a:t>
+                      </a:r>
+                    </a:p>
+                  </a:txBody>
+                  <a:tcPr marL="121900" marR="121900" marT="121900" marB="121900"/>
+                </a:tc>
+                <a:tc>
+                  <a:txBody>
+                    <a:bodyPr/>
+                    <a:lstStyle/>
+                    <a:p>
+                      <a:pPr marL="0" marR="0" lvl="0" indent="0" algn="l" defTabSz="914400" rtl="0" eaLnBrk="1" fontAlgn="auto" latinLnBrk="0" hangingPunct="1">
+                        <a:lnSpc>
+                          <a:spcPct val="100000"/>
+                        </a:lnSpc>
+                        <a:spcBef>
+                          <a:spcPts val="0"/>
+                        </a:spcBef>
+                        <a:spcAft>
+                          <a:spcPts val="0"/>
+                        </a:spcAft>
+                        <a:buClrTx/>
+                        <a:buSzTx/>
+                        <a:buFontTx/>
+                        <a:buNone/>
+                        <a:tabLst/>
+                        <a:defRPr/>
+                      </a:pPr>
+                      <a:r>
+                        <a:rPr lang="en-US" sz="2400" dirty="0"/>
+                        <a:t>Program continues</a:t>
+                      </a:r>
+                    </a:p>
+                  </a:txBody>
+                  <a:tcPr marL="121900" marR="121900" marT="121900" marB="121900"/>
+                </a:tc>
+                <a:extLst>
+                  <a:ext uri="{0D108BD9-81ED-4DB2-BD59-A6C34878D82A}">
+                    <a16:rowId xmlns:a16="http://schemas.microsoft.com/office/drawing/2014/main" val="323616264"/>
+                  </a:ext>
+                </a:extLst>
+              </a:tr>
+              <a:tr h="609560">
+                <a:tc>
+                  <a:txBody>
+                    <a:bodyPr/>
+                    <a:lstStyle/>
+                    <a:p>
+                      <a:pPr marL="0" lvl="0" indent="0" algn="l" rtl="0">
+                        <a:spcBef>
+                          <a:spcPts val="0"/>
+                        </a:spcBef>
+                        <a:spcAft>
+                          <a:spcPts val="0"/>
+                        </a:spcAft>
+                        <a:buNone/>
+                      </a:pPr>
+                      <a:r>
+                        <a:rPr lang="en-US" sz="2400" dirty="0"/>
+                        <a:t>Maybe</a:t>
+                      </a:r>
+                    </a:p>
+                  </a:txBody>
+                  <a:tcPr marL="121900" marR="121900" marT="121900" marB="121900"/>
+                </a:tc>
+                <a:tc>
+                  <a:txBody>
+                    <a:bodyPr/>
+                    <a:lstStyle/>
+                    <a:p>
+                      <a:pPr marL="0" lvl="0" indent="0" algn="l" rtl="0">
+                        <a:spcBef>
+                          <a:spcPts val="0"/>
+                        </a:spcBef>
+                        <a:spcAft>
+                          <a:spcPts val="0"/>
+                        </a:spcAft>
+                        <a:buNone/>
+                      </a:pPr>
+                      <a:r>
+                        <a:rPr lang="en-US" sz="2400" dirty="0"/>
+                        <a:t>Please </a:t>
+                      </a:r>
+                      <a:r>
+                        <a:rPr lang="en-US" sz="2400"/>
+                        <a:t>enter either “Yes” or “No”</a:t>
+                      </a:r>
+                      <a:endParaRPr sz="2400" dirty="0"/>
+                    </a:p>
+                  </a:txBody>
+                  <a:tcPr marL="121900" marR="121900" marT="121900" marB="121900"/>
+                </a:tc>
+                <a:extLst>
+                  <a:ext uri="{0D108BD9-81ED-4DB2-BD59-A6C34878D82A}">
+                    <a16:rowId xmlns:a16="http://schemas.microsoft.com/office/drawing/2014/main" val="993249598"/>
+                  </a:ext>
+                </a:extLst>
+              </a:tr>
             </a:tbl>
           </a:graphicData>
         </a:graphic>
       </p:graphicFrame>
-      <p:sp>
-        <p:nvSpPr>
-          <p:cNvPr id="4" name="Rectangle 3">
-            <a:extLst>
-              <a:ext uri="{FF2B5EF4-FFF2-40B4-BE49-F238E27FC236}">
-                <a16:creationId xmlns:a16="http://schemas.microsoft.com/office/drawing/2014/main" id="{518343B6-2201-4ACD-B907-770BC22E8B26}"/>
-              </a:ext>
-            </a:extLst>
-          </p:cNvPr>
-          <p:cNvSpPr/>
-          <p:nvPr/>
-        </p:nvSpPr>
-        <p:spPr>
-          <a:xfrm>
-            <a:off x="645160" y="1151007"/>
-            <a:ext cx="9999846" cy="369332"/>
-          </a:xfrm>
-          <a:prstGeom prst="rect">
-            <a:avLst/>
-          </a:prstGeom>
-        </p:spPr>
-        <p:txBody>
-          <a:bodyPr wrap="square">
-            <a:spAutoFit/>
-          </a:bodyPr>
-          <a:lstStyle/>
-          <a:p>
-            <a:pPr marL="0" marR="0" lvl="0" indent="0" algn="l" defTabSz="914400" rtl="0" eaLnBrk="1" fontAlgn="auto" latinLnBrk="0" hangingPunct="1">
-              <a:lnSpc>
-                <a:spcPct val="100000"/>
-              </a:lnSpc>
-              <a:spcBef>
-                <a:spcPts val="0"/>
-              </a:spcBef>
-              <a:spcAft>
-                <a:spcPts val="0"/>
-              </a:spcAft>
-              <a:buClrTx/>
-              <a:buSzTx/>
-              <a:buFontTx/>
-              <a:buNone/>
-              <a:tabLst/>
-              <a:defRPr/>
-            </a:pPr>
-            <a:r>
-              <a:rPr lang="en-NZ" i="1" dirty="0"/>
-              <a:t>Additional rows can be added by clicking in the last cell and then using the Tab key </a:t>
-            </a:r>
-          </a:p>
-        </p:txBody>
-      </p:sp>
     </p:spTree>
   </p:cSld>
   <p:clrMapOvr>
